--- a/06.0 -- 服务 ------- 第06章.pptx
+++ b/06.0 -- 服务 ------- 第06章.pptx
@@ -331,7 +331,7 @@
               <a:pPr>
                 <a:defRPr/>
               </a:pPr>
-              <a:t>2020/10/25</a:t>
+              <a:t>2020/11/16</a:t>
             </a:fld>
             <a:endParaRPr lang="zh-CN" altLang="en-US" sz="1200"/>
           </a:p>
@@ -1376,7 +1376,7 @@
             <a:fld id="{C33D8BF3-04B1-4578-9944-A784348B543C}" type="datetimeFigureOut">
               <a:rPr lang="zh-CN" altLang="en-US"/>
               <a:pPr/>
-              <a:t>2020/10/25</a:t>
+              <a:t>2020/11/16</a:t>
             </a:fld>
             <a:endParaRPr lang="zh-CN" altLang="en-US"/>
           </a:p>
@@ -1575,7 +1575,7 @@
             <a:fld id="{C33D8BF3-04B1-4578-9944-A784348B543C}" type="datetimeFigureOut">
               <a:rPr lang="zh-CN" altLang="en-US"/>
               <a:pPr/>
-              <a:t>2020/10/25</a:t>
+              <a:t>2020/11/16</a:t>
             </a:fld>
             <a:endParaRPr lang="zh-CN" altLang="en-US"/>
           </a:p>
@@ -1724,7 +1724,7 @@
             <a:fld id="{C33D8BF3-04B1-4578-9944-A784348B543C}" type="datetimeFigureOut">
               <a:rPr lang="zh-CN" altLang="en-US"/>
               <a:pPr/>
-              <a:t>2020/10/25</a:t>
+              <a:t>2020/11/16</a:t>
             </a:fld>
             <a:endParaRPr lang="zh-CN" altLang="en-US"/>
           </a:p>
@@ -1873,7 +1873,7 @@
             <a:fld id="{C33D8BF3-04B1-4578-9944-A784348B543C}" type="datetimeFigureOut">
               <a:rPr lang="zh-CN" altLang="en-US"/>
               <a:pPr/>
-              <a:t>2020/10/25</a:t>
+              <a:t>2020/11/16</a:t>
             </a:fld>
             <a:endParaRPr lang="zh-CN" altLang="en-US"/>
           </a:p>
@@ -2075,7 +2075,7 @@
             <a:fld id="{C33D8BF3-04B1-4578-9944-A784348B543C}" type="datetimeFigureOut">
               <a:rPr lang="zh-CN" altLang="en-US"/>
               <a:pPr/>
-              <a:t>2020/10/25</a:t>
+              <a:t>2020/11/16</a:t>
             </a:fld>
             <a:endParaRPr lang="zh-CN" altLang="en-US"/>
           </a:p>
@@ -2464,7 +2464,7 @@
             <a:fld id="{C33D8BF3-04B1-4578-9944-A784348B543C}" type="datetimeFigureOut">
               <a:rPr lang="zh-CN" altLang="en-US"/>
               <a:pPr/>
-              <a:t>2020/10/25</a:t>
+              <a:t>2020/11/16</a:t>
             </a:fld>
             <a:endParaRPr lang="zh-CN" altLang="en-US"/>
           </a:p>
@@ -2732,7 +2732,7 @@
             <a:fld id="{C33D8BF3-04B1-4578-9944-A784348B543C}" type="datetimeFigureOut">
               <a:rPr lang="zh-CN" altLang="en-US"/>
               <a:pPr/>
-              <a:t>2020/10/25</a:t>
+              <a:t>2020/11/16</a:t>
             </a:fld>
             <a:endParaRPr lang="zh-CN" altLang="en-US"/>
           </a:p>
@@ -3135,7 +3135,7 @@
             <a:fld id="{C33D8BF3-04B1-4578-9944-A784348B543C}" type="datetimeFigureOut">
               <a:rPr lang="zh-CN" altLang="en-US"/>
               <a:pPr/>
-              <a:t>2020/10/25</a:t>
+              <a:t>2020/11/16</a:t>
             </a:fld>
             <a:endParaRPr lang="zh-CN" altLang="en-US"/>
           </a:p>
@@ -5504,7 +5504,7 @@
             <a:fld id="{C33D8BF3-04B1-4578-9944-A784348B543C}" type="datetimeFigureOut">
               <a:rPr lang="zh-CN" altLang="en-US"/>
               <a:pPr/>
-              <a:t>2020/10/25</a:t>
+              <a:t>2020/11/16</a:t>
             </a:fld>
             <a:endParaRPr lang="zh-CN" altLang="en-US"/>
           </a:p>
@@ -5631,7 +5631,7 @@
             <a:fld id="{C33D8BF3-04B1-4578-9944-A784348B543C}" type="datetimeFigureOut">
               <a:rPr lang="zh-CN" altLang="en-US"/>
               <a:pPr/>
-              <a:t>2020/10/25</a:t>
+              <a:t>2020/11/16</a:t>
             </a:fld>
             <a:endParaRPr lang="zh-CN" altLang="en-US"/>
           </a:p>
@@ -5847,7 +5847,7 @@
             <a:fld id="{C33D8BF3-04B1-4578-9944-A784348B543C}" type="datetimeFigureOut">
               <a:rPr lang="zh-CN" altLang="en-US"/>
               <a:pPr/>
-              <a:t>2020/10/25</a:t>
+              <a:t>2020/11/16</a:t>
             </a:fld>
             <a:endParaRPr lang="zh-CN" altLang="en-US"/>
           </a:p>
@@ -6069,7 +6069,7 @@
             <a:fld id="{C33D8BF3-04B1-4578-9944-A784348B543C}" type="datetimeFigureOut">
               <a:rPr lang="zh-CN" altLang="en-US"/>
               <a:pPr/>
-              <a:t>2020/10/25</a:t>
+              <a:t>2020/11/16</a:t>
             </a:fld>
             <a:endParaRPr lang="zh-CN" altLang="en-US"/>
           </a:p>
@@ -6479,7 +6479,7 @@
             <a:fld id="{C33D8BF3-04B1-4578-9944-A784348B543C}" type="datetimeFigureOut">
               <a:rPr lang="zh-CN" altLang="en-US"/>
               <a:pPr/>
-              <a:t>2020/10/25</a:t>
+              <a:t>2020/11/16</a:t>
             </a:fld>
             <a:endParaRPr lang="zh-CN" altLang="en-US"/>
           </a:p>
@@ -7188,38 +7188,23 @@
         </p:nvSpPr>
         <p:spPr bwMode="auto">
           <a:xfrm>
-            <a:off x="3776663" y="2143125"/>
-            <a:ext cx="2881312" cy="2006600"/>
+            <a:off x="3776662" y="2143125"/>
+            <a:ext cx="5115637" cy="2006600"/>
           </a:xfrm>
           <a:prstGeom prst="rect">
             <a:avLst/>
           </a:prstGeom>
-          <a:noFill/>
+          <a:solidFill>
+            <a:schemeClr val="bg1">
+              <a:lumMod val="95000"/>
+            </a:schemeClr>
+          </a:solidFill>
           <a:ln>
             <a:noFill/>
           </a:ln>
-          <a:extLst>
-            <a:ext uri="{909E8E84-426E-40DD-AFC4-6F175D3DCCD1}">
-              <a14:hiddenFill xmlns:a14="http://schemas.microsoft.com/office/drawing/2010/main">
-                <a:solidFill>
-                  <a:srgbClr val="FFFFFF"/>
-                </a:solidFill>
-              </a14:hiddenFill>
-            </a:ext>
-            <a:ext uri="{91240B29-F687-4F45-9708-019B960494DF}">
-              <a14:hiddenLine xmlns:a14="http://schemas.microsoft.com/office/drawing/2010/main" w="9525">
-                <a:solidFill>
-                  <a:srgbClr val="000000"/>
-                </a:solidFill>
-                <a:miter lim="800000"/>
-                <a:headEnd/>
-                <a:tailEnd/>
-              </a14:hiddenLine>
-            </a:ext>
-          </a:extLst>
         </p:spPr>
         <p:txBody>
-          <a:bodyPr wrap="none" lIns="68580" tIns="34290" rIns="68580" bIns="34290">
+          <a:bodyPr wrap="square" lIns="68580" tIns="34290" rIns="68580" bIns="34290">
             <a:spAutoFit/>
           </a:bodyPr>
           <a:lstStyle>
@@ -7342,11 +7327,11 @@
               <a:buChar char="p"/>
             </a:pPr>
             <a:r>
-              <a:rPr lang="en-US" altLang="zh-CN" sz="1400"/>
+              <a:rPr lang="en-US" altLang="zh-CN" sz="1400" dirty="0"/>
               <a:t>1 </a:t>
             </a:r>
             <a:r>
-              <a:rPr lang="zh-CN" altLang="en-US" sz="1400"/>
+              <a:rPr lang="zh-CN" altLang="en-US" sz="1400" dirty="0"/>
               <a:t>定义</a:t>
             </a:r>
           </a:p>
@@ -7359,11 +7344,11 @@
               <a:buChar char="p"/>
             </a:pPr>
             <a:r>
-              <a:rPr lang="en-US" altLang="zh-CN" sz="1400"/>
+              <a:rPr lang="en-US" altLang="zh-CN" sz="1400" dirty="0"/>
               <a:t>2 </a:t>
             </a:r>
             <a:r>
-              <a:rPr lang="zh-CN" altLang="en-US" sz="1400"/>
+              <a:rPr lang="zh-CN" altLang="en-US" sz="1400" dirty="0"/>
               <a:t>分类</a:t>
             </a:r>
           </a:p>
@@ -7376,11 +7361,11 @@
               <a:buChar char="p"/>
             </a:pPr>
             <a:r>
-              <a:rPr lang="en-US" altLang="zh-CN" sz="1400"/>
+              <a:rPr lang="en-US" altLang="zh-CN" sz="1400" dirty="0"/>
               <a:t>3 </a:t>
             </a:r>
             <a:r>
-              <a:rPr lang="zh-CN" altLang="en-US" sz="1400"/>
+              <a:rPr lang="zh-CN" altLang="en-US" sz="1400" dirty="0"/>
               <a:t>两种启动方法</a:t>
             </a:r>
           </a:p>
@@ -7393,11 +7378,11 @@
               <a:buChar char="p"/>
             </a:pPr>
             <a:r>
-              <a:rPr lang="en-US" altLang="zh-CN" sz="1400"/>
+              <a:rPr lang="en-US" altLang="zh-CN" sz="1400" dirty="0"/>
               <a:t>4 </a:t>
             </a:r>
             <a:r>
-              <a:rPr lang="zh-CN" altLang="en-US" sz="1400"/>
+              <a:rPr lang="zh-CN" altLang="en-US" sz="1400" dirty="0"/>
               <a:t>生命周期</a:t>
             </a:r>
           </a:p>
@@ -7410,11 +7395,11 @@
               <a:buChar char="p"/>
             </a:pPr>
             <a:r>
-              <a:rPr lang="en-US" altLang="zh-CN" sz="1400"/>
+              <a:rPr lang="en-US" altLang="zh-CN" sz="1400" dirty="0"/>
               <a:t>5 </a:t>
             </a:r>
             <a:r>
-              <a:rPr lang="zh-CN" altLang="en-US" sz="1400"/>
+              <a:rPr lang="zh-CN" altLang="en-US" sz="1400" dirty="0"/>
               <a:t>基本用法</a:t>
             </a:r>
           </a:p>
@@ -7427,11 +7412,11 @@
               <a:buChar char="p"/>
             </a:pPr>
             <a:r>
-              <a:rPr lang="en-US" altLang="zh-CN" sz="1400"/>
+              <a:rPr lang="en-US" altLang="zh-CN" sz="1400" dirty="0"/>
               <a:t>6 </a:t>
             </a:r>
             <a:r>
-              <a:rPr lang="zh-CN" altLang="en-US" sz="1400"/>
+              <a:rPr lang="zh-CN" altLang="en-US" sz="1400" dirty="0"/>
               <a:t>音乐播放器实例		</a:t>
             </a:r>
           </a:p>
@@ -7503,8 +7488,8 @@
         </p:nvSpPr>
         <p:spPr>
           <a:xfrm>
-            <a:off x="3608388" y="4329113"/>
-            <a:ext cx="5319712" cy="201612"/>
+            <a:off x="3776662" y="4329113"/>
+            <a:ext cx="5151438" cy="201612"/>
           </a:xfrm>
           <a:prstGeom prst="rect">
             <a:avLst/>
@@ -7964,7 +7949,7 @@
     </p:tnLst>
     <p:bldLst>
       <p:bldP spid="2" grpId="0" bldLvl="0" animBg="1"/>
-      <p:bldP spid="5" grpId="0"/>
+      <p:bldP spid="5" grpId="0" animBg="1"/>
       <p:bldP spid="10" grpId="0" bldLvl="0" animBg="1"/>
       <p:bldP spid="11" grpId="0" bldLvl="0" animBg="1"/>
     </p:bldLst>
@@ -8042,6 +8027,11 @@
             <a:off x="385763" y="882650"/>
             <a:ext cx="3354387" cy="3663950"/>
           </a:xfrm>
+          <a:solidFill>
+            <a:schemeClr val="bg1">
+              <a:lumMod val="95000"/>
+            </a:schemeClr>
+          </a:solidFill>
         </p:spPr>
         <p:txBody>
           <a:bodyPr>
@@ -8049,7 +8039,9 @@
           </a:bodyPr>
           <a:lstStyle/>
           <a:p>
-            <a:pPr fontAlgn="auto"/>
+            <a:pPr marL="0" indent="0" fontAlgn="auto">
+              <a:buNone/>
+            </a:pPr>
             <a:r>
               <a:rPr lang="en-US" altLang="zh-CN" noProof="1"/>
               <a:t>1 </a:t>
@@ -8065,11 +8057,11 @@
               <a:buNone/>
             </a:pPr>
             <a:r>
-              <a:rPr lang="zh-CN" altLang="en-US" noProof="1"/>
+              <a:rPr lang="zh-CN" altLang="en-US" sz="1200" noProof="1"/>
               <a:t>教材</a:t>
             </a:r>
             <a:r>
-              <a:rPr lang="en-US" altLang="zh-CN" noProof="1"/>
+              <a:rPr lang="en-US" altLang="zh-CN" sz="1200" noProof="1"/>
               <a:t>P118</a:t>
             </a:r>
           </a:p>
@@ -8078,7 +8070,9 @@
             <a:endParaRPr lang="en-US" altLang="zh-CN" noProof="1"/>
           </a:p>
           <a:p>
-            <a:pPr fontAlgn="auto"/>
+            <a:pPr marL="0" indent="0" fontAlgn="auto">
+              <a:buNone/>
+            </a:pPr>
             <a:r>
               <a:rPr lang="en-US" altLang="zh-CN" noProof="1"/>
               <a:t>2 </a:t>
@@ -8094,11 +8088,11 @@
               <a:buNone/>
             </a:pPr>
             <a:r>
-              <a:rPr lang="zh-CN" altLang="en-US" noProof="1"/>
+              <a:rPr lang="zh-CN" altLang="en-US" sz="1200" noProof="1"/>
               <a:t>教材</a:t>
             </a:r>
             <a:r>
-              <a:rPr lang="en-US" altLang="zh-CN" noProof="1"/>
+              <a:rPr lang="en-US" altLang="zh-CN" sz="1200" noProof="1"/>
               <a:t>P123</a:t>
             </a:r>
           </a:p>
@@ -9356,7 +9350,7 @@
             <a:r>
               <a:rPr lang="en-US" altLang="zh-CN" sz="2800" b="1" noProof="1">
                 <a:solidFill>
-                  <a:srgbClr val="00B050"/>
+                  <a:srgbClr val="002060"/>
                 </a:solidFill>
                 <a:latin typeface="微软雅黑" panose="020B0503020204020204" pitchFamily="34" charset="-122"/>
                 <a:ea typeface="微软雅黑" panose="020B0503020204020204" pitchFamily="34" charset="-122"/>
@@ -9902,7 +9896,7 @@
         <p:spPr bwMode="auto">
           <a:xfrm>
             <a:off x="411163" y="877888"/>
-            <a:ext cx="8412162" cy="3989387"/>
+            <a:ext cx="8412162" cy="3673698"/>
           </a:xfrm>
           <a:prstGeom prst="rect">
             <a:avLst/>
@@ -9931,7 +9925,7 @@
             <a:r>
               <a:rPr lang="zh-CN" altLang="zh-CN" sz="2400" dirty="0">
                 <a:solidFill>
-                  <a:srgbClr val="00B050"/>
+                  <a:srgbClr val="002060"/>
                 </a:solidFill>
                 <a:latin typeface="微软雅黑" panose="020B0503020204020204" pitchFamily="34" charset="-122"/>
                 <a:ea typeface="微软雅黑" panose="020B0503020204020204" pitchFamily="34" charset="-122"/>
@@ -9942,7 +9936,7 @@
             <a:r>
               <a:rPr lang="zh-CN" altLang="zh-CN" sz="2400" dirty="0">
                 <a:solidFill>
-                  <a:srgbClr val="00B050"/>
+                  <a:srgbClr val="002060"/>
                 </a:solidFill>
                 <a:latin typeface="微软雅黑" panose="020B0503020204020204" pitchFamily="34" charset="-122"/>
                 <a:ea typeface="微软雅黑" panose="020B0503020204020204" pitchFamily="34" charset="-122"/>
@@ -9953,12 +9947,25 @@
             <a:r>
               <a:rPr lang="zh-CN" altLang="zh-CN" sz="2400" dirty="0">
                 <a:solidFill>
-                  <a:srgbClr val="00B050"/>
+                  <a:srgbClr val="002060"/>
                 </a:solidFill>
                 <a:latin typeface="微软雅黑" panose="020B0503020204020204" pitchFamily="34" charset="-122"/>
                 <a:ea typeface="微软雅黑" panose="020B0503020204020204" pitchFamily="34" charset="-122"/>
               </a:rPr>
-              <a:t>用于应用程序内部</a:t>
+              <a:t>用于应用程序</a:t>
+            </a:r>
+            <a:r>
+              <a:rPr lang="zh-CN" altLang="zh-CN" sz="2400" dirty="0">
+                <a:solidFill>
+                  <a:srgbClr val="002060"/>
+                </a:solidFill>
+                <a:highlight>
+                  <a:srgbClr val="FFFF00"/>
+                </a:highlight>
+                <a:latin typeface="微软雅黑" panose="020B0503020204020204" pitchFamily="34" charset="-122"/>
+                <a:ea typeface="微软雅黑" panose="020B0503020204020204" pitchFamily="34" charset="-122"/>
+              </a:rPr>
+              <a:t>内部</a:t>
             </a:r>
           </a:p>
           <a:p>
@@ -9976,7 +9983,7 @@
                 <a:latin typeface="微软雅黑" panose="020B0503020204020204" pitchFamily="34" charset="-122"/>
                 <a:ea typeface="微软雅黑" panose="020B0503020204020204" pitchFamily="34" charset="-122"/>
               </a:rPr>
-              <a:t>可以实现应用程序自己的一些耗时任务</a:t>
+              <a:t>实现应用程序自己的一些耗时任务</a:t>
             </a:r>
           </a:p>
           <a:p>
@@ -10048,35 +10055,35 @@
             <a:r>
               <a:rPr lang="zh-CN" altLang="zh-CN" sz="2400" dirty="0">
                 <a:solidFill>
-                  <a:srgbClr val="00B050"/>
+                  <a:srgbClr val="002060"/>
                 </a:solidFill>
                 <a:latin typeface="微软雅黑" panose="020B0503020204020204" pitchFamily="34" charset="-122"/>
                 <a:ea typeface="微软雅黑" panose="020B0503020204020204" pitchFamily="34" charset="-122"/>
                 <a:sym typeface="+mn-ea"/>
               </a:rPr>
-              <a:t>远程服务（Remote Service）：用于应用程序之间</a:t>
+              <a:t>远程服务（Remote Service）：用于应用程序</a:t>
+            </a:r>
+            <a:r>
+              <a:rPr lang="zh-CN" altLang="zh-CN" sz="2400" dirty="0">
+                <a:solidFill>
+                  <a:srgbClr val="002060"/>
+                </a:solidFill>
+                <a:highlight>
+                  <a:srgbClr val="FFFF00"/>
+                </a:highlight>
+                <a:latin typeface="微软雅黑" panose="020B0503020204020204" pitchFamily="34" charset="-122"/>
+                <a:ea typeface="微软雅黑" panose="020B0503020204020204" pitchFamily="34" charset="-122"/>
+                <a:sym typeface="+mn-ea"/>
+              </a:rPr>
+              <a:t>之间</a:t>
             </a:r>
             <a:endParaRPr lang="zh-CN" altLang="zh-CN" sz="1400" dirty="0">
               <a:solidFill>
-                <a:srgbClr val="000000"/>
+                <a:srgbClr val="002060"/>
               </a:solidFill>
-              <a:latin typeface="微软雅黑" panose="020B0503020204020204" pitchFamily="34" charset="-122"/>
-              <a:ea typeface="微软雅黑" panose="020B0503020204020204" pitchFamily="34" charset="-122"/>
-            </a:endParaRPr>
-          </a:p>
-          <a:p>
-            <a:pPr indent="360680" eaLnBrk="0" hangingPunct="0">
-              <a:lnSpc>
-                <a:spcPct val="130000"/>
-              </a:lnSpc>
-              <a:buFont typeface="Wingdings" panose="05000000000000000000" pitchFamily="2" charset="2"/>
-              <a:buNone/>
-              <a:defRPr/>
-            </a:pPr>
-            <a:endParaRPr lang="zh-CN" altLang="zh-CN" sz="1400" dirty="0">
-              <a:solidFill>
-                <a:srgbClr val="000000"/>
-              </a:solidFill>
+              <a:highlight>
+                <a:srgbClr val="FFFF00"/>
+              </a:highlight>
               <a:latin typeface="微软雅黑" panose="020B0503020204020204" pitchFamily="34" charset="-122"/>
               <a:ea typeface="微软雅黑" panose="020B0503020204020204" pitchFamily="34" charset="-122"/>
             </a:endParaRPr>
@@ -12268,7 +12275,7 @@
         </p:nvSpPr>
         <p:spPr bwMode="auto">
           <a:xfrm>
-            <a:off x="723900" y="936625"/>
+            <a:off x="827740" y="1347665"/>
             <a:ext cx="4424140" cy="1477328"/>
           </a:xfrm>
           <a:prstGeom prst="rect">
@@ -12453,7 +12460,7 @@
         <p:spPr bwMode="auto">
           <a:xfrm>
             <a:off x="165100" y="4613275"/>
-            <a:ext cx="3519488" cy="336550"/>
+            <a:ext cx="2276585" cy="246221"/>
           </a:xfrm>
           <a:prstGeom prst="rect">
             <a:avLst/>
@@ -12599,7 +12606,7 @@
           </a:lstStyle>
           <a:p>
             <a:r>
-              <a:rPr lang="zh-CN" altLang="en-US" sz="1600" b="1">
+              <a:rPr lang="zh-CN" altLang="en-US" sz="1000" b="1">
                 <a:solidFill>
                   <a:srgbClr val="0070C0"/>
                 </a:solidFill>
@@ -12607,7 +12614,7 @@
               <a:t>参考教学参考书《第一行代码》</a:t>
             </a:r>
             <a:r>
-              <a:rPr lang="en-US" altLang="zh-CN" sz="1600" b="1">
+              <a:rPr lang="en-US" altLang="zh-CN" sz="1000" b="1">
                 <a:solidFill>
                   <a:srgbClr val="0070C0"/>
                 </a:solidFill>
@@ -12852,12 +12859,12 @@
               <a:buNone/>
             </a:pPr>
             <a:r>
-              <a:rPr lang="en-US" altLang="zh-CN" sz="1000" b="1"/>
+              <a:rPr lang="en-US" altLang="zh-CN" sz="1000" b="1" dirty="0"/>
               <a:t>Nexus</a:t>
             </a:r>
             <a:r>
-              <a:rPr lang="zh-CN" altLang="en-US" sz="1000" b="1"/>
-              <a:t>模拟器进入开发者选项</a:t>
+              <a:rPr lang="zh-CN" altLang="en-US" sz="1000" b="1" dirty="0"/>
+              <a:t>模拟器进入开发者选项：</a:t>
             </a:r>
           </a:p>
           <a:p>
@@ -12866,7 +12873,7 @@
               <a:buNone/>
             </a:pPr>
             <a:r>
-              <a:rPr lang="zh-CN" altLang="en-US" sz="1000" b="1"/>
+              <a:rPr lang="zh-CN" altLang="en-US" sz="1000" b="1" dirty="0"/>
               <a:t>“Settings”—“About”（设置——关于）菜单 </a:t>
             </a:r>
           </a:p>
@@ -12876,7 +12883,7 @@
               <a:buNone/>
             </a:pPr>
             <a:r>
-              <a:rPr lang="zh-CN" altLang="en-US" sz="1000" b="1"/>
+              <a:rPr lang="zh-CN" altLang="en-US" sz="1000" b="1" dirty="0"/>
               <a:t>向下滚动到底部的Build number（版本号） </a:t>
             </a:r>
           </a:p>
@@ -12886,7 +12893,7 @@
               <a:buNone/>
             </a:pPr>
             <a:r>
-              <a:rPr lang="zh-CN" altLang="en-US" sz="1000" b="1"/>
+              <a:rPr lang="zh-CN" altLang="en-US" sz="1000" b="1" dirty="0"/>
               <a:t>点击Build number（版本号）7次 </a:t>
             </a:r>
           </a:p>
@@ -12895,7 +12902,7 @@
               <a:buFont typeface="Wingdings" panose="05000000000000000000" pitchFamily="2" charset="2"/>
               <a:buNone/>
             </a:pPr>
-            <a:endParaRPr lang="zh-CN" altLang="en-US"/>
+            <a:endParaRPr lang="zh-CN" altLang="en-US" dirty="0"/>
           </a:p>
         </p:txBody>
       </p:sp>

--- a/06.0 -- 服务 ------- 第06章.pptx
+++ b/06.0 -- 服务 ------- 第06章.pptx
@@ -1,24 +1,24 @@
 
 <file path=ppt/presentation.xml><?xml version="1.0" encoding="utf-8"?>
-<p:presentation xmlns:a="http://schemas.openxmlformats.org/drawingml/2006/main" xmlns:r="http://schemas.openxmlformats.org/officeDocument/2006/relationships" xmlns:p="http://schemas.openxmlformats.org/presentationml/2006/main" saveSubsetFonts="1">
+<p:presentation xmlns:a="http://schemas.openxmlformats.org/drawingml/2006/main" xmlns:r="http://schemas.openxmlformats.org/officeDocument/2006/relationships" xmlns:p="http://schemas.openxmlformats.org/presentationml/2006/main">
   <p:sldMasterIdLst>
-    <p:sldMasterId id="2147483662" r:id="rId1"/>
+    <p:sldMasterId id="2147483648" r:id="rId1"/>
   </p:sldMasterIdLst>
   <p:notesMasterIdLst>
-    <p:notesMasterId r:id="rId13"/>
+    <p:notesMasterId r:id="rId4"/>
   </p:notesMasterIdLst>
   <p:sldIdLst>
-    <p:sldId id="431" r:id="rId2"/>
-    <p:sldId id="421" r:id="rId3"/>
-    <p:sldId id="422" r:id="rId4"/>
-    <p:sldId id="442" r:id="rId5"/>
-    <p:sldId id="427" r:id="rId6"/>
-    <p:sldId id="443" r:id="rId7"/>
-    <p:sldId id="444" r:id="rId8"/>
-    <p:sldId id="445" r:id="rId9"/>
-    <p:sldId id="446" r:id="rId10"/>
-    <p:sldId id="447" r:id="rId11"/>
-    <p:sldId id="432" r:id="rId12"/>
+    <p:sldId id="431" r:id="rId3"/>
+    <p:sldId id="421" r:id="rId5"/>
+    <p:sldId id="422" r:id="rId6"/>
+    <p:sldId id="442" r:id="rId7"/>
+    <p:sldId id="427" r:id="rId8"/>
+    <p:sldId id="443" r:id="rId9"/>
+    <p:sldId id="444" r:id="rId10"/>
+    <p:sldId id="445" r:id="rId11"/>
+    <p:sldId id="446" r:id="rId12"/>
+    <p:sldId id="447" r:id="rId13"/>
+    <p:sldId id="432" r:id="rId14"/>
   </p:sldIdLst>
   <p:sldSz cx="9144000" cy="5143500" type="screen16x9"/>
   <p:notesSz cx="6858000" cy="9144000"/>
@@ -152,22 +152,6 @@
       </a:defRPr>
     </a:lvl9pPr>
   </p:defaultTextStyle>
-  <p:extLst>
-    <p:ext uri="{EFAFB233-063F-42B5-8137-9DF3F51BA10A}">
-      <p15:sldGuideLst xmlns:p15="http://schemas.microsoft.com/office/powerpoint/2012/main">
-        <p15:guide id="1" orient="horz" pos="1630">
-          <p15:clr>
-            <a:srgbClr val="A4A3A4"/>
-          </p15:clr>
-        </p15:guide>
-        <p15:guide id="2" pos="2884">
-          <p15:clr>
-            <a:srgbClr val="A4A3A4"/>
-          </p15:clr>
-        </p15:guide>
-      </p15:sldGuideLst>
-    </p:ext>
-  </p:extLst>
 </p:presentation>
 </file>
 
@@ -198,13 +182,7 @@
       </p:grpSpPr>
       <p:sp>
         <p:nvSpPr>
-          <p:cNvPr id="2050" name="页眉占位符 1">
-            <a:extLst>
-              <a:ext uri="{FF2B5EF4-FFF2-40B4-BE49-F238E27FC236}">
-                <a16:creationId xmlns:a16="http://schemas.microsoft.com/office/drawing/2014/main" id="{27873517-B363-44E1-BADF-3F58A1958C25}"/>
-              </a:ext>
-            </a:extLst>
-          </p:cNvPr>
+          <p:cNvPr id="2050" name="页眉占位符 1"/>
           <p:cNvSpPr>
             <a:spLocks noGrp="1" noChangeArrowheads="1"/>
           </p:cNvSpPr>
@@ -265,13 +243,7 @@
       </p:sp>
       <p:sp>
         <p:nvSpPr>
-          <p:cNvPr id="2051" name="日期占位符 2">
-            <a:extLst>
-              <a:ext uri="{FF2B5EF4-FFF2-40B4-BE49-F238E27FC236}">
-                <a16:creationId xmlns:a16="http://schemas.microsoft.com/office/drawing/2014/main" id="{0F1E41A3-0441-47F1-A0FD-FB9885BB2C15}"/>
-              </a:ext>
-            </a:extLst>
-          </p:cNvPr>
+          <p:cNvPr id="2051" name="日期占位符 2"/>
           <p:cNvSpPr>
             <a:spLocks noGrp="1" noChangeArrowheads="1"/>
           </p:cNvSpPr>
@@ -328,10 +300,6 @@
             </a:pPr>
             <a:fld id="{0043CAF8-24D5-4241-A4F6-9647DBBF5330}" type="datetime1">
               <a:rPr lang="zh-CN" altLang="en-US"/>
-              <a:pPr>
-                <a:defRPr/>
-              </a:pPr>
-              <a:t>2020/11/16</a:t>
             </a:fld>
             <a:endParaRPr lang="zh-CN" altLang="en-US" sz="1200"/>
           </a:p>
@@ -339,18 +307,12 @@
       </p:sp>
       <p:sp>
         <p:nvSpPr>
-          <p:cNvPr id="7172" name="幻灯片图像占位符 3">
-            <a:extLst>
-              <a:ext uri="{FF2B5EF4-FFF2-40B4-BE49-F238E27FC236}">
-                <a16:creationId xmlns:a16="http://schemas.microsoft.com/office/drawing/2014/main" id="{7F3789E3-054A-4524-91C8-3A81E95A2989}"/>
-              </a:ext>
-            </a:extLst>
-          </p:cNvPr>
+          <p:cNvPr id="7172" name="幻灯片图像占位符 3"/>
           <p:cNvSpPr>
             <a:spLocks noGrp="1" noRot="1" noChangeAspect="1" noChangeArrowheads="1"/>
           </p:cNvSpPr>
           <p:nvPr>
-            <p:ph type="sldImg" idx="4294967295"/>
+            <p:ph type="sldImg" idx="9"/>
           </p:nvPr>
         </p:nvSpPr>
         <p:spPr bwMode="auto">
@@ -388,13 +350,7 @@
       </p:sp>
       <p:sp>
         <p:nvSpPr>
-          <p:cNvPr id="2053" name="备注占位符 4">
-            <a:extLst>
-              <a:ext uri="{FF2B5EF4-FFF2-40B4-BE49-F238E27FC236}">
-                <a16:creationId xmlns:a16="http://schemas.microsoft.com/office/drawing/2014/main" id="{CC622AC4-3155-40C7-BB58-89A08400D45C}"/>
-              </a:ext>
-            </a:extLst>
-          </p:cNvPr>
+          <p:cNvPr id="2053" name="备注占位符 4"/>
           <p:cNvSpPr>
             <a:spLocks noGrp="1" noRot="1" noChangeAspect="1" noChangeArrowheads="1"/>
           </p:cNvSpPr>
@@ -555,6 +511,7 @@
               <a:rPr lang="zh-CN" altLang="en-US"/>
               <a:t>单击此处编辑母版文本样式</a:t>
             </a:r>
+            <a:endParaRPr lang="zh-CN" altLang="en-US"/>
           </a:p>
           <a:p>
             <a:pPr>
@@ -566,6 +523,7 @@
               <a:rPr lang="zh-CN" altLang="en-US"/>
               <a:t>第二级</a:t>
             </a:r>
+            <a:endParaRPr lang="zh-CN" altLang="en-US"/>
           </a:p>
           <a:p>
             <a:pPr>
@@ -577,6 +535,7 @@
               <a:rPr lang="zh-CN" altLang="en-US"/>
               <a:t>第三级</a:t>
             </a:r>
+            <a:endParaRPr lang="zh-CN" altLang="en-US"/>
           </a:p>
           <a:p>
             <a:pPr>
@@ -588,6 +547,7 @@
               <a:rPr lang="zh-CN" altLang="en-US"/>
               <a:t>第四级</a:t>
             </a:r>
+            <a:endParaRPr lang="zh-CN" altLang="en-US"/>
           </a:p>
           <a:p>
             <a:pPr>
@@ -599,18 +559,13 @@
               <a:rPr lang="zh-CN" altLang="en-US"/>
               <a:t>第五级</a:t>
             </a:r>
+            <a:endParaRPr lang="zh-CN" altLang="en-US"/>
           </a:p>
         </p:txBody>
       </p:sp>
       <p:sp>
         <p:nvSpPr>
-          <p:cNvPr id="2054" name="页脚占位符 5">
-            <a:extLst>
-              <a:ext uri="{FF2B5EF4-FFF2-40B4-BE49-F238E27FC236}">
-                <a16:creationId xmlns:a16="http://schemas.microsoft.com/office/drawing/2014/main" id="{0FC53267-E61B-4D8F-ADB8-3FCD996A5DAC}"/>
-              </a:ext>
-            </a:extLst>
-          </p:cNvPr>
+          <p:cNvPr id="2054" name="页脚占位符 5"/>
           <p:cNvSpPr>
             <a:spLocks noGrp="1" noChangeArrowheads="1"/>
           </p:cNvSpPr>
@@ -671,13 +626,7 @@
       </p:sp>
       <p:sp>
         <p:nvSpPr>
-          <p:cNvPr id="2055" name="灯片编号占位符 6">
-            <a:extLst>
-              <a:ext uri="{FF2B5EF4-FFF2-40B4-BE49-F238E27FC236}">
-                <a16:creationId xmlns:a16="http://schemas.microsoft.com/office/drawing/2014/main" id="{ECF816E2-22C9-4948-9F7C-C92DA75DBD4F}"/>
-              </a:ext>
-            </a:extLst>
-          </p:cNvPr>
+          <p:cNvPr id="2055" name="灯片编号占位符 6"/>
           <p:cNvSpPr>
             <a:spLocks noGrp="1" noChangeArrowheads="1"/>
           </p:cNvSpPr>
@@ -718,11 +667,7 @@
           </a:extLst>
         </p:spPr>
         <p:txBody>
-          <a:bodyPr vert="horz" wrap="square" lIns="91440" tIns="45720" rIns="91440" bIns="45720" numCol="1" anchor="b" anchorCtr="0" compatLnSpc="1">
-            <a:prstTxWarp prst="textNoShape">
-              <a:avLst/>
-            </a:prstTxWarp>
-          </a:bodyPr>
+          <a:bodyPr vert="horz" wrap="square" lIns="91440" tIns="45720" rIns="91440" bIns="45720" numCol="1" anchor="b" anchorCtr="0" compatLnSpc="1"/>
           <a:lstStyle>
             <a:lvl1pPr algn="r">
               <a:defRPr/>
@@ -731,8 +676,6 @@
           <a:p>
             <a:fld id="{DA698F2F-15E9-4A98-BEE3-50FD0B1DD6B3}" type="slidenum">
               <a:rPr lang="zh-CN" altLang="en-US"/>
-              <a:pPr/>
-              <a:t>‹#›</a:t>
             </a:fld>
             <a:endParaRPr lang="zh-CN" altLang="en-US" sz="1200"/>
           </a:p>
@@ -886,13 +829,7 @@
       </p:grpSpPr>
       <p:sp>
         <p:nvSpPr>
-          <p:cNvPr id="9217" name="幻灯片图像占位符 1">
-            <a:extLst>
-              <a:ext uri="{FF2B5EF4-FFF2-40B4-BE49-F238E27FC236}">
-                <a16:creationId xmlns:a16="http://schemas.microsoft.com/office/drawing/2014/main" id="{8B1BDD2F-20C6-4E99-B461-B138CCE80684}"/>
-              </a:ext>
-            </a:extLst>
-          </p:cNvPr>
+          <p:cNvPr id="9217" name="幻灯片图像占位符 1"/>
           <p:cNvSpPr>
             <a:spLocks noGrp="1" noRot="1" noChangeAspect="1" noChangeArrowheads="1" noTextEdit="1"/>
           </p:cNvSpPr>
@@ -904,13 +841,7 @@
       </p:sp>
       <p:sp>
         <p:nvSpPr>
-          <p:cNvPr id="9218" name="备注占位符 2">
-            <a:extLst>
-              <a:ext uri="{FF2B5EF4-FFF2-40B4-BE49-F238E27FC236}">
-                <a16:creationId xmlns:a16="http://schemas.microsoft.com/office/drawing/2014/main" id="{52D725D1-96FA-4D99-A791-6797D56C04A2}"/>
-              </a:ext>
-            </a:extLst>
-          </p:cNvPr>
+          <p:cNvPr id="9218" name="备注占位符 2"/>
           <p:cNvSpPr>
             <a:spLocks noGrp="1" noChangeArrowheads="1"/>
           </p:cNvSpPr>
@@ -927,7 +858,6 @@
             <a:avLst/>
           </a:prstGeom>
           <a:noFill/>
-          <a:ln/>
           <a:extLst>
             <a:ext uri="{909E8E84-426E-40DD-AFC4-6F175D3DCCD1}">
               <a14:hiddenFill xmlns:a14="http://schemas.microsoft.com/office/drawing/2010/main">
@@ -958,13 +888,7 @@
       </p:sp>
       <p:sp>
         <p:nvSpPr>
-          <p:cNvPr id="9219" name="灯片编号占位符 3">
-            <a:extLst>
-              <a:ext uri="{FF2B5EF4-FFF2-40B4-BE49-F238E27FC236}">
-                <a16:creationId xmlns:a16="http://schemas.microsoft.com/office/drawing/2014/main" id="{E1034EE8-098F-4910-9E2B-272AA0002EE5}"/>
-              </a:ext>
-            </a:extLst>
-          </p:cNvPr>
+          <p:cNvPr id="9219" name="灯片编号占位符 3"/>
           <p:cNvSpPr>
             <a:spLocks noGrp="1" noChangeArrowheads="1"/>
           </p:cNvSpPr>
@@ -1091,8 +1015,6 @@
           <a:p>
             <a:fld id="{4BD61C05-04E8-417A-B73F-5ED7413670A6}" type="slidenum">
               <a:rPr lang="zh-CN" altLang="en-US" sz="1200"/>
-              <a:pPr/>
-              <a:t>1</a:t>
             </a:fld>
             <a:endParaRPr lang="zh-CN" altLang="en-US" sz="1200"/>
           </a:p>
@@ -1107,7 +1029,7 @@
 </file>
 
 <file path=ppt/slideLayouts/slideLayout1.xml><?xml version="1.0" encoding="utf-8"?>
-<p:sldLayout xmlns:a="http://schemas.openxmlformats.org/drawingml/2006/main" xmlns:r="http://schemas.openxmlformats.org/officeDocument/2006/relationships" xmlns:p="http://schemas.openxmlformats.org/presentationml/2006/main" showMasterSp="0" type="title" preserve="1">
+<p:sldLayout xmlns:a="http://schemas.openxmlformats.org/drawingml/2006/main" xmlns:r="http://schemas.openxmlformats.org/officeDocument/2006/relationships" xmlns:p="http://schemas.openxmlformats.org/presentationml/2006/main" type="title" preserve="1" showMasterSp="0">
   <p:cSld name="标题幻灯片">
     <p:spTree>
       <p:nvGrpSpPr>
@@ -1125,13 +1047,7 @@
       </p:grpSpPr>
       <p:sp>
         <p:nvSpPr>
-          <p:cNvPr id="4" name="矩形 3">
-            <a:extLst>
-              <a:ext uri="{FF2B5EF4-FFF2-40B4-BE49-F238E27FC236}">
-                <a16:creationId xmlns:a16="http://schemas.microsoft.com/office/drawing/2014/main" id="{955D6CB3-01A4-4574-A733-C82C71BD43CB}"/>
-              </a:ext>
-            </a:extLst>
-          </p:cNvPr>
+          <p:cNvPr id="4" name="矩形 3"/>
           <p:cNvSpPr/>
           <p:nvPr/>
         </p:nvSpPr>
@@ -1181,13 +1097,7 @@
       </p:sp>
       <p:sp>
         <p:nvSpPr>
-          <p:cNvPr id="5" name="矩形 4">
-            <a:extLst>
-              <a:ext uri="{FF2B5EF4-FFF2-40B4-BE49-F238E27FC236}">
-                <a16:creationId xmlns:a16="http://schemas.microsoft.com/office/drawing/2014/main" id="{1FC00008-4D48-4093-9FC6-1E538D56EB80}"/>
-              </a:ext>
-            </a:extLst>
-          </p:cNvPr>
+          <p:cNvPr id="5" name="矩形 4"/>
           <p:cNvSpPr/>
           <p:nvPr/>
         </p:nvSpPr>
@@ -1350,13 +1260,7 @@
       </p:sp>
       <p:sp>
         <p:nvSpPr>
-          <p:cNvPr id="6" name="Date Placeholder 3">
-            <a:extLst>
-              <a:ext uri="{FF2B5EF4-FFF2-40B4-BE49-F238E27FC236}">
-                <a16:creationId xmlns:a16="http://schemas.microsoft.com/office/drawing/2014/main" id="{B5539C14-80E0-412E-96B8-EB1C9A8A29EB}"/>
-              </a:ext>
-            </a:extLst>
-          </p:cNvPr>
+          <p:cNvPr id="6" name="Date Placeholder 3"/>
           <p:cNvSpPr>
             <a:spLocks noGrp="1"/>
           </p:cNvSpPr>
@@ -1375,8 +1279,6 @@
           <a:p>
             <a:fld id="{C33D8BF3-04B1-4578-9944-A784348B543C}" type="datetimeFigureOut">
               <a:rPr lang="zh-CN" altLang="en-US"/>
-              <a:pPr/>
-              <a:t>2020/11/16</a:t>
             </a:fld>
             <a:endParaRPr lang="zh-CN" altLang="en-US"/>
           </a:p>
@@ -1384,13 +1286,7 @@
       </p:sp>
       <p:sp>
         <p:nvSpPr>
-          <p:cNvPr id="7" name="Footer Placeholder 4">
-            <a:extLst>
-              <a:ext uri="{FF2B5EF4-FFF2-40B4-BE49-F238E27FC236}">
-                <a16:creationId xmlns:a16="http://schemas.microsoft.com/office/drawing/2014/main" id="{A5D11191-88B1-48CD-A984-AB0EA9091BED}"/>
-              </a:ext>
-            </a:extLst>
-          </p:cNvPr>
+          <p:cNvPr id="7" name="Footer Placeholder 4"/>
           <p:cNvSpPr>
             <a:spLocks noGrp="1"/>
           </p:cNvSpPr>
@@ -1413,13 +1309,7 @@
       </p:sp>
       <p:sp>
         <p:nvSpPr>
-          <p:cNvPr id="8" name="Slide Number Placeholder 5">
-            <a:extLst>
-              <a:ext uri="{FF2B5EF4-FFF2-40B4-BE49-F238E27FC236}">
-                <a16:creationId xmlns:a16="http://schemas.microsoft.com/office/drawing/2014/main" id="{67A0D2AF-C8DB-4868-8EEF-582CF4C3192E}"/>
-              </a:ext>
-            </a:extLst>
-          </p:cNvPr>
+          <p:cNvPr id="8" name="Slide Number Placeholder 5"/>
           <p:cNvSpPr>
             <a:spLocks noGrp="1"/>
           </p:cNvSpPr>
@@ -1438,19 +1328,12 @@
           <a:p>
             <a:fld id="{FFE165AF-79FD-4966-BCEF-2FE9B8A5D69A}" type="slidenum">
               <a:rPr lang="zh-CN" altLang="en-US"/>
-              <a:pPr/>
-              <a:t>‹#›</a:t>
             </a:fld>
             <a:endParaRPr lang="zh-CN" altLang="en-US"/>
           </a:p>
         </p:txBody>
       </p:sp>
     </p:spTree>
-    <p:extLst>
-      <p:ext uri="{BB962C8B-B14F-4D97-AF65-F5344CB8AC3E}">
-        <p14:creationId xmlns:p14="http://schemas.microsoft.com/office/powerpoint/2010/main" val="1481508544"/>
-      </p:ext>
-    </p:extLst>
   </p:cSld>
   <p:clrMapOvr>
     <a:masterClrMapping/>
@@ -1516,6 +1399,7 @@
               <a:rPr lang="zh-CN" altLang="en-US" noProof="1"/>
               <a:t>单击此处编辑母版文本样式</a:t>
             </a:r>
+            <a:endParaRPr lang="zh-CN" altLang="en-US" noProof="1"/>
           </a:p>
           <a:p>
             <a:pPr lvl="1"/>
@@ -1523,6 +1407,7 @@
               <a:rPr lang="zh-CN" altLang="en-US" noProof="1"/>
               <a:t>第二级</a:t>
             </a:r>
+            <a:endParaRPr lang="zh-CN" altLang="en-US" noProof="1"/>
           </a:p>
           <a:p>
             <a:pPr lvl="2"/>
@@ -1530,6 +1415,7 @@
               <a:rPr lang="zh-CN" altLang="en-US" noProof="1"/>
               <a:t>第三级</a:t>
             </a:r>
+            <a:endParaRPr lang="zh-CN" altLang="en-US" noProof="1"/>
           </a:p>
           <a:p>
             <a:pPr lvl="3"/>
@@ -1537,6 +1423,7 @@
               <a:rPr lang="zh-CN" altLang="en-US" noProof="1"/>
               <a:t>第四级</a:t>
             </a:r>
+            <a:endParaRPr lang="zh-CN" altLang="en-US" noProof="1"/>
           </a:p>
           <a:p>
             <a:pPr lvl="4"/>
@@ -1544,18 +1431,13 @@
               <a:rPr lang="zh-CN" altLang="en-US" noProof="1"/>
               <a:t>第五级</a:t>
             </a:r>
+            <a:endParaRPr lang="zh-CN" altLang="en-US" noProof="1"/>
           </a:p>
         </p:txBody>
       </p:sp>
       <p:sp>
         <p:nvSpPr>
-          <p:cNvPr id="4" name="Date Placeholder 3">
-            <a:extLst>
-              <a:ext uri="{FF2B5EF4-FFF2-40B4-BE49-F238E27FC236}">
-                <a16:creationId xmlns:a16="http://schemas.microsoft.com/office/drawing/2014/main" id="{D7C0D655-DB9D-444C-A48C-30677E1C8C6A}"/>
-              </a:ext>
-            </a:extLst>
-          </p:cNvPr>
+          <p:cNvPr id="4" name="Date Placeholder 3"/>
           <p:cNvSpPr>
             <a:spLocks noGrp="1"/>
           </p:cNvSpPr>
@@ -1574,8 +1456,6 @@
           <a:p>
             <a:fld id="{C33D8BF3-04B1-4578-9944-A784348B543C}" type="datetimeFigureOut">
               <a:rPr lang="zh-CN" altLang="en-US"/>
-              <a:pPr/>
-              <a:t>2020/11/16</a:t>
             </a:fld>
             <a:endParaRPr lang="zh-CN" altLang="en-US"/>
           </a:p>
@@ -1583,13 +1463,7 @@
       </p:sp>
       <p:sp>
         <p:nvSpPr>
-          <p:cNvPr id="5" name="Footer Placeholder 4">
-            <a:extLst>
-              <a:ext uri="{FF2B5EF4-FFF2-40B4-BE49-F238E27FC236}">
-                <a16:creationId xmlns:a16="http://schemas.microsoft.com/office/drawing/2014/main" id="{986946A0-E238-4469-B386-749CC8A0E0E9}"/>
-              </a:ext>
-            </a:extLst>
-          </p:cNvPr>
+          <p:cNvPr id="5" name="Footer Placeholder 4"/>
           <p:cNvSpPr>
             <a:spLocks noGrp="1"/>
           </p:cNvSpPr>
@@ -1612,13 +1486,7 @@
       </p:sp>
       <p:sp>
         <p:nvSpPr>
-          <p:cNvPr id="6" name="Slide Number Placeholder 5">
-            <a:extLst>
-              <a:ext uri="{FF2B5EF4-FFF2-40B4-BE49-F238E27FC236}">
-                <a16:creationId xmlns:a16="http://schemas.microsoft.com/office/drawing/2014/main" id="{D77A6656-DB68-4D2E-95FD-A18741567680}"/>
-              </a:ext>
-            </a:extLst>
-          </p:cNvPr>
+          <p:cNvPr id="6" name="Slide Number Placeholder 5"/>
           <p:cNvSpPr>
             <a:spLocks noGrp="1"/>
           </p:cNvSpPr>
@@ -1637,19 +1505,12 @@
           <a:p>
             <a:fld id="{7DE389E1-2DA7-42F5-AA0F-F87DA9B7D29F}" type="slidenum">
               <a:rPr lang="zh-CN" altLang="en-US"/>
-              <a:pPr/>
-              <a:t>‹#›</a:t>
             </a:fld>
             <a:endParaRPr lang="zh-CN" altLang="en-US"/>
           </a:p>
         </p:txBody>
       </p:sp>
     </p:spTree>
-    <p:extLst>
-      <p:ext uri="{BB962C8B-B14F-4D97-AF65-F5344CB8AC3E}">
-        <p14:creationId xmlns:p14="http://schemas.microsoft.com/office/powerpoint/2010/main" val="710161777"/>
-      </p:ext>
-    </p:extLst>
   </p:cSld>
   <p:clrMapOvr>
     <a:masterClrMapping/>
@@ -1693,18 +1554,13 @@
               <a:rPr lang="zh-CN" altLang="en-US" noProof="1"/>
               <a:t>单击此处编辑母版标题样式</a:t>
             </a:r>
+            <a:endParaRPr lang="zh-CN" altLang="en-US" noProof="1"/>
           </a:p>
         </p:txBody>
       </p:sp>
       <p:sp>
         <p:nvSpPr>
-          <p:cNvPr id="3" name="Date Placeholder 3">
-            <a:extLst>
-              <a:ext uri="{FF2B5EF4-FFF2-40B4-BE49-F238E27FC236}">
-                <a16:creationId xmlns:a16="http://schemas.microsoft.com/office/drawing/2014/main" id="{380D138B-F636-4D9F-B0E6-22956730D5EC}"/>
-              </a:ext>
-            </a:extLst>
-          </p:cNvPr>
+          <p:cNvPr id="3" name="Date Placeholder 3"/>
           <p:cNvSpPr>
             <a:spLocks noGrp="1"/>
           </p:cNvSpPr>
@@ -1723,8 +1579,6 @@
           <a:p>
             <a:fld id="{C33D8BF3-04B1-4578-9944-A784348B543C}" type="datetimeFigureOut">
               <a:rPr lang="zh-CN" altLang="en-US"/>
-              <a:pPr/>
-              <a:t>2020/11/16</a:t>
             </a:fld>
             <a:endParaRPr lang="zh-CN" altLang="en-US"/>
           </a:p>
@@ -1732,13 +1586,7 @@
       </p:sp>
       <p:sp>
         <p:nvSpPr>
-          <p:cNvPr id="4" name="Footer Placeholder 4">
-            <a:extLst>
-              <a:ext uri="{FF2B5EF4-FFF2-40B4-BE49-F238E27FC236}">
-                <a16:creationId xmlns:a16="http://schemas.microsoft.com/office/drawing/2014/main" id="{01A49F7F-8973-4747-8283-11529AFC741E}"/>
-              </a:ext>
-            </a:extLst>
-          </p:cNvPr>
+          <p:cNvPr id="4" name="Footer Placeholder 4"/>
           <p:cNvSpPr>
             <a:spLocks noGrp="1"/>
           </p:cNvSpPr>
@@ -1761,13 +1609,7 @@
       </p:sp>
       <p:sp>
         <p:nvSpPr>
-          <p:cNvPr id="5" name="Slide Number Placeholder 5">
-            <a:extLst>
-              <a:ext uri="{FF2B5EF4-FFF2-40B4-BE49-F238E27FC236}">
-                <a16:creationId xmlns:a16="http://schemas.microsoft.com/office/drawing/2014/main" id="{370E36C3-86B8-4214-9B52-63BB9D77E51E}"/>
-              </a:ext>
-            </a:extLst>
-          </p:cNvPr>
+          <p:cNvPr id="5" name="Slide Number Placeholder 5"/>
           <p:cNvSpPr>
             <a:spLocks noGrp="1"/>
           </p:cNvSpPr>
@@ -1786,19 +1628,12 @@
           <a:p>
             <a:fld id="{4F6E2F4B-6ED5-4BB2-BB7D-6FAFA26003D8}" type="slidenum">
               <a:rPr lang="zh-CN" altLang="en-US"/>
-              <a:pPr/>
-              <a:t>‹#›</a:t>
             </a:fld>
             <a:endParaRPr lang="zh-CN" altLang="en-US"/>
           </a:p>
         </p:txBody>
       </p:sp>
     </p:spTree>
-    <p:extLst>
-      <p:ext uri="{BB962C8B-B14F-4D97-AF65-F5344CB8AC3E}">
-        <p14:creationId xmlns:p14="http://schemas.microsoft.com/office/powerpoint/2010/main" val="3881277813"/>
-      </p:ext>
-    </p:extLst>
   </p:cSld>
   <p:clrMapOvr>
     <a:masterClrMapping/>
@@ -1842,18 +1677,13 @@
               <a:rPr lang="zh-CN" altLang="en-US" noProof="1"/>
               <a:t>单击此处编辑母版标题样式</a:t>
             </a:r>
+            <a:endParaRPr lang="zh-CN" altLang="en-US" noProof="1"/>
           </a:p>
         </p:txBody>
       </p:sp>
       <p:sp>
         <p:nvSpPr>
-          <p:cNvPr id="3" name="Date Placeholder 3">
-            <a:extLst>
-              <a:ext uri="{FF2B5EF4-FFF2-40B4-BE49-F238E27FC236}">
-                <a16:creationId xmlns:a16="http://schemas.microsoft.com/office/drawing/2014/main" id="{9070B2E0-EF44-426F-913D-790FC849383D}"/>
-              </a:ext>
-            </a:extLst>
-          </p:cNvPr>
+          <p:cNvPr id="3" name="Date Placeholder 3"/>
           <p:cNvSpPr>
             <a:spLocks noGrp="1"/>
           </p:cNvSpPr>
@@ -1872,8 +1702,6 @@
           <a:p>
             <a:fld id="{C33D8BF3-04B1-4578-9944-A784348B543C}" type="datetimeFigureOut">
               <a:rPr lang="zh-CN" altLang="en-US"/>
-              <a:pPr/>
-              <a:t>2020/11/16</a:t>
             </a:fld>
             <a:endParaRPr lang="zh-CN" altLang="en-US"/>
           </a:p>
@@ -1881,13 +1709,7 @@
       </p:sp>
       <p:sp>
         <p:nvSpPr>
-          <p:cNvPr id="4" name="Footer Placeholder 4">
-            <a:extLst>
-              <a:ext uri="{FF2B5EF4-FFF2-40B4-BE49-F238E27FC236}">
-                <a16:creationId xmlns:a16="http://schemas.microsoft.com/office/drawing/2014/main" id="{E9F368E7-B621-4568-8F70-A5CF212870F7}"/>
-              </a:ext>
-            </a:extLst>
-          </p:cNvPr>
+          <p:cNvPr id="4" name="Footer Placeholder 4"/>
           <p:cNvSpPr>
             <a:spLocks noGrp="1"/>
           </p:cNvSpPr>
@@ -1910,13 +1732,7 @@
       </p:sp>
       <p:sp>
         <p:nvSpPr>
-          <p:cNvPr id="5" name="Slide Number Placeholder 5">
-            <a:extLst>
-              <a:ext uri="{FF2B5EF4-FFF2-40B4-BE49-F238E27FC236}">
-                <a16:creationId xmlns:a16="http://schemas.microsoft.com/office/drawing/2014/main" id="{80EEF9A3-CBEB-4547-9012-34834E20FB38}"/>
-              </a:ext>
-            </a:extLst>
-          </p:cNvPr>
+          <p:cNvPr id="5" name="Slide Number Placeholder 5"/>
           <p:cNvSpPr>
             <a:spLocks noGrp="1"/>
           </p:cNvSpPr>
@@ -1935,19 +1751,12 @@
           <a:p>
             <a:fld id="{E010A443-8F86-4C67-A7A1-E6482ADAB4CC}" type="slidenum">
               <a:rPr lang="zh-CN" altLang="en-US"/>
-              <a:pPr/>
-              <a:t>‹#›</a:t>
             </a:fld>
             <a:endParaRPr lang="zh-CN" altLang="en-US"/>
           </a:p>
         </p:txBody>
       </p:sp>
     </p:spTree>
-    <p:extLst>
-      <p:ext uri="{BB962C8B-B14F-4D97-AF65-F5344CB8AC3E}">
-        <p14:creationId xmlns:p14="http://schemas.microsoft.com/office/powerpoint/2010/main" val="136396836"/>
-      </p:ext>
-    </p:extLst>
   </p:cSld>
   <p:clrMapOvr>
     <a:masterClrMapping/>
@@ -2015,6 +1824,7 @@
               <a:rPr lang="zh-CN" altLang="en-US" noProof="1"/>
               <a:t>单击此处编辑母版文本样式</a:t>
             </a:r>
+            <a:endParaRPr lang="zh-CN" altLang="en-US" noProof="1"/>
           </a:p>
           <a:p>
             <a:pPr lvl="1"/>
@@ -2022,6 +1832,7 @@
               <a:rPr lang="zh-CN" altLang="en-US" noProof="1"/>
               <a:t>第二级</a:t>
             </a:r>
+            <a:endParaRPr lang="zh-CN" altLang="en-US" noProof="1"/>
           </a:p>
           <a:p>
             <a:pPr lvl="2"/>
@@ -2029,6 +1840,7 @@
               <a:rPr lang="zh-CN" altLang="en-US" noProof="1"/>
               <a:t>第三级</a:t>
             </a:r>
+            <a:endParaRPr lang="zh-CN" altLang="en-US" noProof="1"/>
           </a:p>
           <a:p>
             <a:pPr lvl="3"/>
@@ -2036,6 +1848,7 @@
               <a:rPr lang="zh-CN" altLang="en-US" noProof="1"/>
               <a:t>第四级</a:t>
             </a:r>
+            <a:endParaRPr lang="zh-CN" altLang="en-US" noProof="1"/>
           </a:p>
           <a:p>
             <a:pPr lvl="4"/>
@@ -2049,13 +1862,7 @@
       </p:sp>
       <p:sp>
         <p:nvSpPr>
-          <p:cNvPr id="4" name="Date Placeholder 3">
-            <a:extLst>
-              <a:ext uri="{FF2B5EF4-FFF2-40B4-BE49-F238E27FC236}">
-                <a16:creationId xmlns:a16="http://schemas.microsoft.com/office/drawing/2014/main" id="{D78D9332-6BDD-4849-9E91-088726183A27}"/>
-              </a:ext>
-            </a:extLst>
-          </p:cNvPr>
+          <p:cNvPr id="4" name="Date Placeholder 3"/>
           <p:cNvSpPr>
             <a:spLocks noGrp="1"/>
           </p:cNvSpPr>
@@ -2074,8 +1881,6 @@
           <a:p>
             <a:fld id="{C33D8BF3-04B1-4578-9944-A784348B543C}" type="datetimeFigureOut">
               <a:rPr lang="zh-CN" altLang="en-US"/>
-              <a:pPr/>
-              <a:t>2020/11/16</a:t>
             </a:fld>
             <a:endParaRPr lang="zh-CN" altLang="en-US"/>
           </a:p>
@@ -2083,13 +1888,7 @@
       </p:sp>
       <p:sp>
         <p:nvSpPr>
-          <p:cNvPr id="5" name="Footer Placeholder 4">
-            <a:extLst>
-              <a:ext uri="{FF2B5EF4-FFF2-40B4-BE49-F238E27FC236}">
-                <a16:creationId xmlns:a16="http://schemas.microsoft.com/office/drawing/2014/main" id="{EE9DA586-0511-4996-936E-9FB5F0800A6D}"/>
-              </a:ext>
-            </a:extLst>
-          </p:cNvPr>
+          <p:cNvPr id="5" name="Footer Placeholder 4"/>
           <p:cNvSpPr>
             <a:spLocks noGrp="1"/>
           </p:cNvSpPr>
@@ -2112,13 +1911,7 @@
       </p:sp>
       <p:sp>
         <p:nvSpPr>
-          <p:cNvPr id="6" name="Slide Number Placeholder 5">
-            <a:extLst>
-              <a:ext uri="{FF2B5EF4-FFF2-40B4-BE49-F238E27FC236}">
-                <a16:creationId xmlns:a16="http://schemas.microsoft.com/office/drawing/2014/main" id="{05FF9494-556C-4135-A838-688771CE7181}"/>
-              </a:ext>
-            </a:extLst>
-          </p:cNvPr>
+          <p:cNvPr id="6" name="Slide Number Placeholder 5"/>
           <p:cNvSpPr>
             <a:spLocks noGrp="1"/>
           </p:cNvSpPr>
@@ -2137,19 +1930,12 @@
           <a:p>
             <a:fld id="{C08A4544-5C52-440A-96B4-585219F1C813}" type="slidenum">
               <a:rPr lang="zh-CN" altLang="en-US"/>
-              <a:pPr/>
-              <a:t>‹#›</a:t>
             </a:fld>
             <a:endParaRPr lang="zh-CN" altLang="en-US"/>
           </a:p>
         </p:txBody>
       </p:sp>
     </p:spTree>
-    <p:extLst>
-      <p:ext uri="{BB962C8B-B14F-4D97-AF65-F5344CB8AC3E}">
-        <p14:creationId xmlns:p14="http://schemas.microsoft.com/office/powerpoint/2010/main" val="1353825123"/>
-      </p:ext>
-    </p:extLst>
   </p:cSld>
   <p:clrMapOvr>
     <a:masterClrMapping/>
@@ -2158,7 +1944,7 @@
 </file>
 
 <file path=ppt/slideLayouts/slideLayout3.xml><?xml version="1.0" encoding="utf-8"?>
-<p:sldLayout xmlns:a="http://schemas.openxmlformats.org/drawingml/2006/main" xmlns:r="http://schemas.openxmlformats.org/officeDocument/2006/relationships" xmlns:p="http://schemas.openxmlformats.org/presentationml/2006/main" showMasterSp="0" type="secHead" preserve="1">
+<p:sldLayout xmlns:a="http://schemas.openxmlformats.org/drawingml/2006/main" xmlns:r="http://schemas.openxmlformats.org/officeDocument/2006/relationships" xmlns:p="http://schemas.openxmlformats.org/presentationml/2006/main" type="secHead" preserve="1" showMasterSp="0">
   <p:cSld name="节标题">
     <p:spTree>
       <p:nvGrpSpPr>
@@ -2176,13 +1962,7 @@
       </p:grpSpPr>
       <p:sp>
         <p:nvSpPr>
-          <p:cNvPr id="4" name="矩形 3">
-            <a:extLst>
-              <a:ext uri="{FF2B5EF4-FFF2-40B4-BE49-F238E27FC236}">
-                <a16:creationId xmlns:a16="http://schemas.microsoft.com/office/drawing/2014/main" id="{3398CDE9-4AB7-4B03-BCE6-501189374870}"/>
-              </a:ext>
-            </a:extLst>
-          </p:cNvPr>
+          <p:cNvPr id="4" name="矩形 3"/>
           <p:cNvSpPr/>
           <p:nvPr/>
         </p:nvSpPr>
@@ -2230,13 +2010,7 @@
       </p:sp>
       <p:sp>
         <p:nvSpPr>
-          <p:cNvPr id="5" name="矩形 4">
-            <a:extLst>
-              <a:ext uri="{FF2B5EF4-FFF2-40B4-BE49-F238E27FC236}">
-                <a16:creationId xmlns:a16="http://schemas.microsoft.com/office/drawing/2014/main" id="{5460BE7C-08FD-4C7F-96E3-AC8E3AB42F0D}"/>
-              </a:ext>
-            </a:extLst>
-          </p:cNvPr>
+          <p:cNvPr id="5" name="矩形 4"/>
           <p:cNvSpPr/>
           <p:nvPr/>
         </p:nvSpPr>
@@ -2433,18 +2207,13 @@
               <a:rPr lang="zh-CN" altLang="en-US" noProof="1"/>
               <a:t>单击此处编辑母版文本样式</a:t>
             </a:r>
+            <a:endParaRPr lang="zh-CN" altLang="en-US" noProof="1"/>
           </a:p>
         </p:txBody>
       </p:sp>
       <p:sp>
         <p:nvSpPr>
-          <p:cNvPr id="6" name="Date Placeholder 3">
-            <a:extLst>
-              <a:ext uri="{FF2B5EF4-FFF2-40B4-BE49-F238E27FC236}">
-                <a16:creationId xmlns:a16="http://schemas.microsoft.com/office/drawing/2014/main" id="{A1F2294A-8644-4D22-8230-32415B58D746}"/>
-              </a:ext>
-            </a:extLst>
-          </p:cNvPr>
+          <p:cNvPr id="6" name="Date Placeholder 3"/>
           <p:cNvSpPr>
             <a:spLocks noGrp="1"/>
           </p:cNvSpPr>
@@ -2463,8 +2232,6 @@
           <a:p>
             <a:fld id="{C33D8BF3-04B1-4578-9944-A784348B543C}" type="datetimeFigureOut">
               <a:rPr lang="zh-CN" altLang="en-US"/>
-              <a:pPr/>
-              <a:t>2020/11/16</a:t>
             </a:fld>
             <a:endParaRPr lang="zh-CN" altLang="en-US"/>
           </a:p>
@@ -2472,13 +2239,7 @@
       </p:sp>
       <p:sp>
         <p:nvSpPr>
-          <p:cNvPr id="7" name="Footer Placeholder 4">
-            <a:extLst>
-              <a:ext uri="{FF2B5EF4-FFF2-40B4-BE49-F238E27FC236}">
-                <a16:creationId xmlns:a16="http://schemas.microsoft.com/office/drawing/2014/main" id="{A4AA05EB-AFDB-4067-B305-C814FDF184CF}"/>
-              </a:ext>
-            </a:extLst>
-          </p:cNvPr>
+          <p:cNvPr id="7" name="Footer Placeholder 4"/>
           <p:cNvSpPr>
             <a:spLocks noGrp="1"/>
           </p:cNvSpPr>
@@ -2501,13 +2262,7 @@
       </p:sp>
       <p:sp>
         <p:nvSpPr>
-          <p:cNvPr id="8" name="Slide Number Placeholder 5">
-            <a:extLst>
-              <a:ext uri="{FF2B5EF4-FFF2-40B4-BE49-F238E27FC236}">
-                <a16:creationId xmlns:a16="http://schemas.microsoft.com/office/drawing/2014/main" id="{9BF3E51D-D613-47BD-B91E-E643DEED38D4}"/>
-              </a:ext>
-            </a:extLst>
-          </p:cNvPr>
+          <p:cNvPr id="8" name="Slide Number Placeholder 5"/>
           <p:cNvSpPr>
             <a:spLocks noGrp="1"/>
           </p:cNvSpPr>
@@ -2526,19 +2281,12 @@
           <a:p>
             <a:fld id="{00225B21-B27C-4B01-802A-45F6697BD79F}" type="slidenum">
               <a:rPr lang="zh-CN" altLang="en-US"/>
-              <a:pPr/>
-              <a:t>‹#›</a:t>
             </a:fld>
             <a:endParaRPr lang="zh-CN" altLang="en-US"/>
           </a:p>
         </p:txBody>
       </p:sp>
     </p:spTree>
-    <p:extLst>
-      <p:ext uri="{BB962C8B-B14F-4D97-AF65-F5344CB8AC3E}">
-        <p14:creationId xmlns:p14="http://schemas.microsoft.com/office/powerpoint/2010/main" val="2796705276"/>
-      </p:ext>
-    </p:extLst>
   </p:cSld>
   <p:clrMapOvr>
     <a:masterClrMapping/>
@@ -2615,6 +2363,7 @@
               <a:rPr lang="zh-CN" altLang="en-US" noProof="1"/>
               <a:t>单击此处编辑母版文本样式</a:t>
             </a:r>
+            <a:endParaRPr lang="zh-CN" altLang="en-US" noProof="1"/>
           </a:p>
           <a:p>
             <a:pPr lvl="1"/>
@@ -2622,6 +2371,7 @@
               <a:rPr lang="zh-CN" altLang="en-US" noProof="1"/>
               <a:t>第二级</a:t>
             </a:r>
+            <a:endParaRPr lang="zh-CN" altLang="en-US" noProof="1"/>
           </a:p>
           <a:p>
             <a:pPr lvl="2"/>
@@ -2629,6 +2379,7 @@
               <a:rPr lang="zh-CN" altLang="en-US" noProof="1"/>
               <a:t>第三级</a:t>
             </a:r>
+            <a:endParaRPr lang="zh-CN" altLang="en-US" noProof="1"/>
           </a:p>
           <a:p>
             <a:pPr lvl="3"/>
@@ -2636,6 +2387,7 @@
               <a:rPr lang="zh-CN" altLang="en-US" noProof="1"/>
               <a:t>第四级</a:t>
             </a:r>
+            <a:endParaRPr lang="zh-CN" altLang="en-US" noProof="1"/>
           </a:p>
           <a:p>
             <a:pPr lvl="4"/>
@@ -2672,6 +2424,7 @@
               <a:rPr lang="zh-CN" altLang="en-US" noProof="1"/>
               <a:t>单击此处编辑母版文本样式</a:t>
             </a:r>
+            <a:endParaRPr lang="zh-CN" altLang="en-US" noProof="1"/>
           </a:p>
           <a:p>
             <a:pPr lvl="1"/>
@@ -2679,6 +2432,7 @@
               <a:rPr lang="zh-CN" altLang="en-US" noProof="1"/>
               <a:t>第二级</a:t>
             </a:r>
+            <a:endParaRPr lang="zh-CN" altLang="en-US" noProof="1"/>
           </a:p>
           <a:p>
             <a:pPr lvl="2"/>
@@ -2686,6 +2440,7 @@
               <a:rPr lang="zh-CN" altLang="en-US" noProof="1"/>
               <a:t>第三级</a:t>
             </a:r>
+            <a:endParaRPr lang="zh-CN" altLang="en-US" noProof="1"/>
           </a:p>
           <a:p>
             <a:pPr lvl="3"/>
@@ -2693,6 +2448,7 @@
               <a:rPr lang="zh-CN" altLang="en-US" noProof="1"/>
               <a:t>第四级</a:t>
             </a:r>
+            <a:endParaRPr lang="zh-CN" altLang="en-US" noProof="1"/>
           </a:p>
           <a:p>
             <a:pPr lvl="4"/>
@@ -2706,13 +2462,7 @@
       </p:sp>
       <p:sp>
         <p:nvSpPr>
-          <p:cNvPr id="5" name="Date Placeholder 3">
-            <a:extLst>
-              <a:ext uri="{FF2B5EF4-FFF2-40B4-BE49-F238E27FC236}">
-                <a16:creationId xmlns:a16="http://schemas.microsoft.com/office/drawing/2014/main" id="{C2F70073-7F7A-4142-BBA9-F703E2ADDB29}"/>
-              </a:ext>
-            </a:extLst>
-          </p:cNvPr>
+          <p:cNvPr id="5" name="Date Placeholder 3"/>
           <p:cNvSpPr>
             <a:spLocks noGrp="1"/>
           </p:cNvSpPr>
@@ -2731,8 +2481,6 @@
           <a:p>
             <a:fld id="{C33D8BF3-04B1-4578-9944-A784348B543C}" type="datetimeFigureOut">
               <a:rPr lang="zh-CN" altLang="en-US"/>
-              <a:pPr/>
-              <a:t>2020/11/16</a:t>
             </a:fld>
             <a:endParaRPr lang="zh-CN" altLang="en-US"/>
           </a:p>
@@ -2740,13 +2488,7 @@
       </p:sp>
       <p:sp>
         <p:nvSpPr>
-          <p:cNvPr id="6" name="Footer Placeholder 4">
-            <a:extLst>
-              <a:ext uri="{FF2B5EF4-FFF2-40B4-BE49-F238E27FC236}">
-                <a16:creationId xmlns:a16="http://schemas.microsoft.com/office/drawing/2014/main" id="{28E60123-F9FE-40BD-9449-85558E2059B0}"/>
-              </a:ext>
-            </a:extLst>
-          </p:cNvPr>
+          <p:cNvPr id="6" name="Footer Placeholder 4"/>
           <p:cNvSpPr>
             <a:spLocks noGrp="1"/>
           </p:cNvSpPr>
@@ -2769,13 +2511,7 @@
       </p:sp>
       <p:sp>
         <p:nvSpPr>
-          <p:cNvPr id="7" name="Slide Number Placeholder 5">
-            <a:extLst>
-              <a:ext uri="{FF2B5EF4-FFF2-40B4-BE49-F238E27FC236}">
-                <a16:creationId xmlns:a16="http://schemas.microsoft.com/office/drawing/2014/main" id="{0DBBA0B6-604F-486C-A827-FC6B587C4081}"/>
-              </a:ext>
-            </a:extLst>
-          </p:cNvPr>
+          <p:cNvPr id="7" name="Slide Number Placeholder 5"/>
           <p:cNvSpPr>
             <a:spLocks noGrp="1"/>
           </p:cNvSpPr>
@@ -2794,19 +2530,12 @@
           <a:p>
             <a:fld id="{BBD0A0C5-CF50-47E6-8509-C722A31B53C7}" type="slidenum">
               <a:rPr lang="zh-CN" altLang="en-US"/>
-              <a:pPr/>
-              <a:t>‹#›</a:t>
             </a:fld>
             <a:endParaRPr lang="zh-CN" altLang="en-US"/>
           </a:p>
         </p:txBody>
       </p:sp>
     </p:spTree>
-    <p:extLst>
-      <p:ext uri="{BB962C8B-B14F-4D97-AF65-F5344CB8AC3E}">
-        <p14:creationId xmlns:p14="http://schemas.microsoft.com/office/powerpoint/2010/main" val="1308795404"/>
-      </p:ext>
-    </p:extLst>
   </p:cSld>
   <p:clrMapOvr>
     <a:masterClrMapping/>
@@ -2893,6 +2622,7 @@
               <a:rPr lang="zh-CN" altLang="en-US" noProof="1"/>
               <a:t>单击此处编辑母版文本样式</a:t>
             </a:r>
+            <a:endParaRPr lang="zh-CN" altLang="en-US" noProof="1"/>
           </a:p>
         </p:txBody>
       </p:sp>
@@ -2921,6 +2651,7 @@
               <a:rPr lang="zh-CN" altLang="en-US" noProof="1"/>
               <a:t>单击此处编辑母版文本样式</a:t>
             </a:r>
+            <a:endParaRPr lang="zh-CN" altLang="en-US" noProof="1"/>
           </a:p>
           <a:p>
             <a:pPr lvl="1"/>
@@ -2928,6 +2659,7 @@
               <a:rPr lang="zh-CN" altLang="en-US" noProof="1"/>
               <a:t>第二级</a:t>
             </a:r>
+            <a:endParaRPr lang="zh-CN" altLang="en-US" noProof="1"/>
           </a:p>
           <a:p>
             <a:pPr lvl="2"/>
@@ -2935,6 +2667,7 @@
               <a:rPr lang="zh-CN" altLang="en-US" noProof="1"/>
               <a:t>第三级</a:t>
             </a:r>
+            <a:endParaRPr lang="zh-CN" altLang="en-US" noProof="1"/>
           </a:p>
           <a:p>
             <a:pPr lvl="3"/>
@@ -2942,6 +2675,7 @@
               <a:rPr lang="zh-CN" altLang="en-US" noProof="1"/>
               <a:t>第四级</a:t>
             </a:r>
+            <a:endParaRPr lang="zh-CN" altLang="en-US" noProof="1"/>
           </a:p>
           <a:p>
             <a:pPr lvl="4"/>
@@ -3015,6 +2749,7 @@
               <a:rPr lang="zh-CN" altLang="en-US" noProof="1"/>
               <a:t>单击此处编辑母版文本样式</a:t>
             </a:r>
+            <a:endParaRPr lang="zh-CN" altLang="en-US" noProof="1"/>
           </a:p>
         </p:txBody>
       </p:sp>
@@ -3043,6 +2778,7 @@
               <a:rPr lang="zh-CN" altLang="en-US" noProof="1"/>
               <a:t>单击此处编辑母版文本样式</a:t>
             </a:r>
+            <a:endParaRPr lang="zh-CN" altLang="en-US" noProof="1"/>
           </a:p>
           <a:p>
             <a:pPr lvl="1"/>
@@ -3050,6 +2786,7 @@
               <a:rPr lang="zh-CN" altLang="en-US" noProof="1"/>
               <a:t>第二级</a:t>
             </a:r>
+            <a:endParaRPr lang="zh-CN" altLang="en-US" noProof="1"/>
           </a:p>
           <a:p>
             <a:pPr lvl="2"/>
@@ -3057,6 +2794,7 @@
               <a:rPr lang="zh-CN" altLang="en-US" noProof="1"/>
               <a:t>第三级</a:t>
             </a:r>
+            <a:endParaRPr lang="zh-CN" altLang="en-US" noProof="1"/>
           </a:p>
           <a:p>
             <a:pPr lvl="3"/>
@@ -3064,6 +2802,7 @@
               <a:rPr lang="zh-CN" altLang="en-US" noProof="1"/>
               <a:t>第四级</a:t>
             </a:r>
+            <a:endParaRPr lang="zh-CN" altLang="en-US" noProof="1"/>
           </a:p>
           <a:p>
             <a:pPr lvl="4"/>
@@ -3109,13 +2848,7 @@
       </p:sp>
       <p:sp>
         <p:nvSpPr>
-          <p:cNvPr id="7" name="Date Placeholder 3">
-            <a:extLst>
-              <a:ext uri="{FF2B5EF4-FFF2-40B4-BE49-F238E27FC236}">
-                <a16:creationId xmlns:a16="http://schemas.microsoft.com/office/drawing/2014/main" id="{233AFBBA-367D-46CF-96E1-E680428118DB}"/>
-              </a:ext>
-            </a:extLst>
-          </p:cNvPr>
+          <p:cNvPr id="7" name="Date Placeholder 3"/>
           <p:cNvSpPr>
             <a:spLocks noGrp="1"/>
           </p:cNvSpPr>
@@ -3134,8 +2867,6 @@
           <a:p>
             <a:fld id="{C33D8BF3-04B1-4578-9944-A784348B543C}" type="datetimeFigureOut">
               <a:rPr lang="zh-CN" altLang="en-US"/>
-              <a:pPr/>
-              <a:t>2020/11/16</a:t>
             </a:fld>
             <a:endParaRPr lang="zh-CN" altLang="en-US"/>
           </a:p>
@@ -3143,13 +2874,7 @@
       </p:sp>
       <p:sp>
         <p:nvSpPr>
-          <p:cNvPr id="8" name="Footer Placeholder 4">
-            <a:extLst>
-              <a:ext uri="{FF2B5EF4-FFF2-40B4-BE49-F238E27FC236}">
-                <a16:creationId xmlns:a16="http://schemas.microsoft.com/office/drawing/2014/main" id="{F6868192-135A-4E79-B540-132447CFF886}"/>
-              </a:ext>
-            </a:extLst>
-          </p:cNvPr>
+          <p:cNvPr id="8" name="Footer Placeholder 4"/>
           <p:cNvSpPr>
             <a:spLocks noGrp="1"/>
           </p:cNvSpPr>
@@ -3172,13 +2897,7 @@
       </p:sp>
       <p:sp>
         <p:nvSpPr>
-          <p:cNvPr id="9" name="Slide Number Placeholder 5">
-            <a:extLst>
-              <a:ext uri="{FF2B5EF4-FFF2-40B4-BE49-F238E27FC236}">
-                <a16:creationId xmlns:a16="http://schemas.microsoft.com/office/drawing/2014/main" id="{742EA872-EAEB-4FB9-A14E-FB5E4B9E6EE2}"/>
-              </a:ext>
-            </a:extLst>
-          </p:cNvPr>
+          <p:cNvPr id="9" name="Slide Number Placeholder 5"/>
           <p:cNvSpPr>
             <a:spLocks noGrp="1"/>
           </p:cNvSpPr>
@@ -3197,19 +2916,12 @@
           <a:p>
             <a:fld id="{35708758-4A18-4862-9E54-FCF7EDCB5A80}" type="slidenum">
               <a:rPr lang="zh-CN" altLang="en-US"/>
-              <a:pPr/>
-              <a:t>‹#›</a:t>
             </a:fld>
             <a:endParaRPr lang="zh-CN" altLang="en-US"/>
           </a:p>
         </p:txBody>
       </p:sp>
     </p:spTree>
-    <p:extLst>
-      <p:ext uri="{BB962C8B-B14F-4D97-AF65-F5344CB8AC3E}">
-        <p14:creationId xmlns:p14="http://schemas.microsoft.com/office/powerpoint/2010/main" val="2418651819"/>
-      </p:ext>
-    </p:extLst>
   </p:cSld>
   <p:clrMapOvr>
     <a:masterClrMapping/>
@@ -3236,13 +2948,7 @@
       </p:grpSpPr>
       <p:sp>
         <p:nvSpPr>
-          <p:cNvPr id="7" name="矩形 2">
-            <a:extLst>
-              <a:ext uri="{FF2B5EF4-FFF2-40B4-BE49-F238E27FC236}">
-                <a16:creationId xmlns:a16="http://schemas.microsoft.com/office/drawing/2014/main" id="{1CC08B56-00A5-495F-82EF-3CFA1EF862CE}"/>
-              </a:ext>
-            </a:extLst>
-          </p:cNvPr>
+          <p:cNvPr id="7" name="矩形 2"/>
           <p:cNvSpPr>
             <a:spLocks noChangeArrowheads="1"/>
           </p:cNvSpPr>
@@ -3406,13 +3112,7 @@
       </p:sp>
       <p:sp>
         <p:nvSpPr>
-          <p:cNvPr id="8" name="矩形 3">
-            <a:extLst>
-              <a:ext uri="{FF2B5EF4-FFF2-40B4-BE49-F238E27FC236}">
-                <a16:creationId xmlns:a16="http://schemas.microsoft.com/office/drawing/2014/main" id="{39CDFAB2-56A2-4229-996C-545E5474B8FF}"/>
-              </a:ext>
-            </a:extLst>
-          </p:cNvPr>
+          <p:cNvPr id="8" name="矩形 3"/>
           <p:cNvSpPr>
             <a:spLocks noChangeArrowheads="1"/>
           </p:cNvSpPr>
@@ -3576,13 +3276,7 @@
       </p:sp>
       <p:sp>
         <p:nvSpPr>
-          <p:cNvPr id="9" name="矩形 4">
-            <a:extLst>
-              <a:ext uri="{FF2B5EF4-FFF2-40B4-BE49-F238E27FC236}">
-                <a16:creationId xmlns:a16="http://schemas.microsoft.com/office/drawing/2014/main" id="{3A0C03C6-CDBD-4D90-A2CF-4F9B3A79B18A}"/>
-              </a:ext>
-            </a:extLst>
-          </p:cNvPr>
+          <p:cNvPr id="9" name="矩形 4"/>
           <p:cNvSpPr>
             <a:spLocks noChangeArrowheads="1"/>
           </p:cNvSpPr>
@@ -3604,8 +3298,6 @@
               <a:schemeClr val="accent1"/>
             </a:solidFill>
             <a:round/>
-            <a:headEnd/>
-            <a:tailEnd/>
           </a:ln>
         </p:spPr>
         <p:txBody>
@@ -3739,13 +3431,7 @@
       </p:sp>
       <p:sp>
         <p:nvSpPr>
-          <p:cNvPr id="10" name="矩形 5">
-            <a:extLst>
-              <a:ext uri="{FF2B5EF4-FFF2-40B4-BE49-F238E27FC236}">
-                <a16:creationId xmlns:a16="http://schemas.microsoft.com/office/drawing/2014/main" id="{6916CB90-1C97-4D5D-AD2B-E3C7ECC3B6B3}"/>
-              </a:ext>
-            </a:extLst>
-          </p:cNvPr>
+          <p:cNvPr id="10" name="矩形 5"/>
           <p:cNvSpPr>
             <a:spLocks noChangeArrowheads="1"/>
           </p:cNvSpPr>
@@ -3909,13 +3595,7 @@
       </p:sp>
       <p:sp>
         <p:nvSpPr>
-          <p:cNvPr id="11" name="矩形 6">
-            <a:extLst>
-              <a:ext uri="{FF2B5EF4-FFF2-40B4-BE49-F238E27FC236}">
-                <a16:creationId xmlns:a16="http://schemas.microsoft.com/office/drawing/2014/main" id="{6BAD23D1-B63C-4E05-80B8-EE79E89FE194}"/>
-              </a:ext>
-            </a:extLst>
-          </p:cNvPr>
+          <p:cNvPr id="11" name="矩形 6"/>
           <p:cNvSpPr>
             <a:spLocks noChangeArrowheads="1"/>
           </p:cNvSpPr>
@@ -3937,8 +3617,6 @@
               <a:schemeClr val="accent1"/>
             </a:solidFill>
             <a:round/>
-            <a:headEnd/>
-            <a:tailEnd/>
           </a:ln>
         </p:spPr>
         <p:txBody>
@@ -4073,19 +3751,13 @@
       </p:sp>
       <p:sp>
         <p:nvSpPr>
-          <p:cNvPr id="12" name="KSO_Shape">
-            <a:extLst>
-              <a:ext uri="{FF2B5EF4-FFF2-40B4-BE49-F238E27FC236}">
-                <a16:creationId xmlns:a16="http://schemas.microsoft.com/office/drawing/2014/main" id="{DAA42A7B-0F08-48B7-B099-459CCD94F02D}"/>
-              </a:ext>
-            </a:extLst>
-          </p:cNvPr>
+          <p:cNvPr id="12" name="KSO_Shape"/>
           <p:cNvSpPr>
             <a:spLocks noChangeArrowheads="1"/>
           </p:cNvSpPr>
           <p:nvPr>
             <p:custDataLst>
-              <p:tags r:id="rId1"/>
+              <p:tags r:id="rId2"/>
             </p:custDataLst>
           </p:nvPr>
         </p:nvSpPr>
@@ -4268,8 +3940,6 @@
                   <a:srgbClr val="000000"/>
                 </a:solidFill>
                 <a:round/>
-                <a:headEnd/>
-                <a:tailEnd/>
               </a14:hiddenLine>
             </a:ext>
           </a:extLst>
@@ -4394,19 +4064,13 @@
       </p:sp>
       <p:sp>
         <p:nvSpPr>
-          <p:cNvPr id="13" name="KSO_Shape">
-            <a:extLst>
-              <a:ext uri="{FF2B5EF4-FFF2-40B4-BE49-F238E27FC236}">
-                <a16:creationId xmlns:a16="http://schemas.microsoft.com/office/drawing/2014/main" id="{94507A62-AA32-4FB7-828C-8D562B4DBC4E}"/>
-              </a:ext>
-            </a:extLst>
-          </p:cNvPr>
+          <p:cNvPr id="13" name="KSO_Shape"/>
           <p:cNvSpPr>
             <a:spLocks noChangeArrowheads="1"/>
           </p:cNvSpPr>
           <p:nvPr>
             <p:custDataLst>
-              <p:tags r:id="rId2"/>
+              <p:tags r:id="rId3"/>
             </p:custDataLst>
           </p:nvPr>
         </p:nvSpPr>
@@ -4784,8 +4448,6 @@
                   <a:srgbClr val="000000"/>
                 </a:solidFill>
                 <a:round/>
-                <a:headEnd/>
-                <a:tailEnd/>
               </a14:hiddenLine>
             </a:ext>
           </a:extLst>
@@ -4910,19 +4572,13 @@
       </p:sp>
       <p:sp>
         <p:nvSpPr>
-          <p:cNvPr id="14" name="KSO_Shape">
-            <a:extLst>
-              <a:ext uri="{FF2B5EF4-FFF2-40B4-BE49-F238E27FC236}">
-                <a16:creationId xmlns:a16="http://schemas.microsoft.com/office/drawing/2014/main" id="{4F477CC2-C1F0-44A5-94D9-D7D7B4902954}"/>
-              </a:ext>
-            </a:extLst>
-          </p:cNvPr>
+          <p:cNvPr id="14" name="KSO_Shape"/>
           <p:cNvSpPr>
             <a:spLocks noChangeArrowheads="1"/>
           </p:cNvSpPr>
           <p:nvPr>
             <p:custDataLst>
-              <p:tags r:id="rId3"/>
+              <p:tags r:id="rId4"/>
             </p:custDataLst>
           </p:nvPr>
         </p:nvSpPr>
@@ -5202,8 +4858,6 @@
                   <a:srgbClr val="000000"/>
                 </a:solidFill>
                 <a:round/>
-                <a:headEnd/>
-                <a:tailEnd/>
               </a14:hiddenLine>
             </a:ext>
           </a:extLst>
@@ -5356,6 +5010,7 @@
               <a:rPr lang="zh-CN" altLang="en-US" noProof="1"/>
               <a:t>编辑标题</a:t>
             </a:r>
+            <a:endParaRPr lang="zh-CN" altLang="en-US" noProof="1"/>
           </a:p>
         </p:txBody>
       </p:sp>
@@ -5395,6 +5050,7 @@
               <a:rPr lang="zh-CN" altLang="en-US" noProof="1"/>
               <a:t>编辑文本</a:t>
             </a:r>
+            <a:endParaRPr lang="zh-CN" altLang="en-US" noProof="1"/>
           </a:p>
         </p:txBody>
       </p:sp>
@@ -5434,6 +5090,7 @@
               <a:rPr lang="zh-CN" altLang="en-US" noProof="1"/>
               <a:t>编辑文本</a:t>
             </a:r>
+            <a:endParaRPr lang="zh-CN" altLang="en-US" noProof="1"/>
           </a:p>
         </p:txBody>
       </p:sp>
@@ -5473,18 +5130,13 @@
               <a:rPr lang="zh-CN" altLang="en-US" noProof="1"/>
               <a:t>编辑文本</a:t>
             </a:r>
+            <a:endParaRPr lang="zh-CN" altLang="en-US" noProof="1"/>
           </a:p>
         </p:txBody>
       </p:sp>
       <p:sp>
         <p:nvSpPr>
-          <p:cNvPr id="15" name="日期占位符 17">
-            <a:extLst>
-              <a:ext uri="{FF2B5EF4-FFF2-40B4-BE49-F238E27FC236}">
-                <a16:creationId xmlns:a16="http://schemas.microsoft.com/office/drawing/2014/main" id="{928858F8-01DE-47B4-8738-A51E1749BB4B}"/>
-              </a:ext>
-            </a:extLst>
-          </p:cNvPr>
+          <p:cNvPr id="15" name="日期占位符 17"/>
           <p:cNvSpPr>
             <a:spLocks noGrp="1"/>
           </p:cNvSpPr>
@@ -5503,8 +5155,6 @@
           <a:p>
             <a:fld id="{C33D8BF3-04B1-4578-9944-A784348B543C}" type="datetimeFigureOut">
               <a:rPr lang="zh-CN" altLang="en-US"/>
-              <a:pPr/>
-              <a:t>2020/11/16</a:t>
             </a:fld>
             <a:endParaRPr lang="zh-CN" altLang="en-US"/>
           </a:p>
@@ -5512,13 +5162,7 @@
       </p:sp>
       <p:sp>
         <p:nvSpPr>
-          <p:cNvPr id="18" name="页脚占位符 18">
-            <a:extLst>
-              <a:ext uri="{FF2B5EF4-FFF2-40B4-BE49-F238E27FC236}">
-                <a16:creationId xmlns:a16="http://schemas.microsoft.com/office/drawing/2014/main" id="{4ACCB232-FFE7-44E4-A47F-9736D9C27821}"/>
-              </a:ext>
-            </a:extLst>
-          </p:cNvPr>
+          <p:cNvPr id="18" name="页脚占位符 18"/>
           <p:cNvSpPr>
             <a:spLocks noGrp="1"/>
           </p:cNvSpPr>
@@ -5541,13 +5185,7 @@
       </p:sp>
       <p:sp>
         <p:nvSpPr>
-          <p:cNvPr id="19" name="灯片编号占位符 19">
-            <a:extLst>
-              <a:ext uri="{FF2B5EF4-FFF2-40B4-BE49-F238E27FC236}">
-                <a16:creationId xmlns:a16="http://schemas.microsoft.com/office/drawing/2014/main" id="{CF4531AC-EDF4-47FD-93C2-00F5845B1491}"/>
-              </a:ext>
-            </a:extLst>
-          </p:cNvPr>
+          <p:cNvPr id="19" name="灯片编号占位符 19"/>
           <p:cNvSpPr>
             <a:spLocks noGrp="1"/>
           </p:cNvSpPr>
@@ -5566,19 +5204,12 @@
           <a:p>
             <a:fld id="{8277D5EB-2DDD-4B6B-9A36-8E8BAEEEA50F}" type="slidenum">
               <a:rPr lang="zh-CN" altLang="en-US"/>
-              <a:pPr/>
-              <a:t>‹#›</a:t>
             </a:fld>
             <a:endParaRPr lang="zh-CN" altLang="en-US"/>
           </a:p>
         </p:txBody>
       </p:sp>
     </p:spTree>
-    <p:extLst>
-      <p:ext uri="{BB962C8B-B14F-4D97-AF65-F5344CB8AC3E}">
-        <p14:creationId xmlns:p14="http://schemas.microsoft.com/office/powerpoint/2010/main" val="3365599149"/>
-      </p:ext>
-    </p:extLst>
   </p:cSld>
   <p:clrMapOvr>
     <a:masterClrMapping/>
@@ -5587,7 +5218,7 @@
 </file>
 
 <file path=ppt/slideLayouts/slideLayout7.xml><?xml version="1.0" encoding="utf-8"?>
-<p:sldLayout xmlns:a="http://schemas.openxmlformats.org/drawingml/2006/main" xmlns:r="http://schemas.openxmlformats.org/officeDocument/2006/relationships" xmlns:p="http://schemas.openxmlformats.org/presentationml/2006/main" showMasterSp="0" type="blank" preserve="1">
+<p:sldLayout xmlns:a="http://schemas.openxmlformats.org/drawingml/2006/main" xmlns:r="http://schemas.openxmlformats.org/officeDocument/2006/relationships" xmlns:p="http://schemas.openxmlformats.org/presentationml/2006/main" type="blank" preserve="1" showMasterSp="0">
   <p:cSld name="空白">
     <p:spTree>
       <p:nvGrpSpPr>
@@ -5605,13 +5236,7 @@
       </p:grpSpPr>
       <p:sp>
         <p:nvSpPr>
-          <p:cNvPr id="2" name="Date Placeholder 1">
-            <a:extLst>
-              <a:ext uri="{FF2B5EF4-FFF2-40B4-BE49-F238E27FC236}">
-                <a16:creationId xmlns:a16="http://schemas.microsoft.com/office/drawing/2014/main" id="{FC99F2E2-4905-4677-8843-B557914F5020}"/>
-              </a:ext>
-            </a:extLst>
-          </p:cNvPr>
+          <p:cNvPr id="2" name="Date Placeholder 1"/>
           <p:cNvSpPr>
             <a:spLocks noGrp="1"/>
           </p:cNvSpPr>
@@ -5630,8 +5255,6 @@
           <a:p>
             <a:fld id="{C33D8BF3-04B1-4578-9944-A784348B543C}" type="datetimeFigureOut">
               <a:rPr lang="zh-CN" altLang="en-US"/>
-              <a:pPr/>
-              <a:t>2020/11/16</a:t>
             </a:fld>
             <a:endParaRPr lang="zh-CN" altLang="en-US"/>
           </a:p>
@@ -5639,13 +5262,7 @@
       </p:sp>
       <p:sp>
         <p:nvSpPr>
-          <p:cNvPr id="3" name="Footer Placeholder 2">
-            <a:extLst>
-              <a:ext uri="{FF2B5EF4-FFF2-40B4-BE49-F238E27FC236}">
-                <a16:creationId xmlns:a16="http://schemas.microsoft.com/office/drawing/2014/main" id="{F6730B03-6025-4332-8B89-1E14E3D29949}"/>
-              </a:ext>
-            </a:extLst>
-          </p:cNvPr>
+          <p:cNvPr id="3" name="Footer Placeholder 2"/>
           <p:cNvSpPr>
             <a:spLocks noGrp="1"/>
           </p:cNvSpPr>
@@ -5668,13 +5285,7 @@
       </p:sp>
       <p:sp>
         <p:nvSpPr>
-          <p:cNvPr id="4" name="Slide Number Placeholder 3">
-            <a:extLst>
-              <a:ext uri="{FF2B5EF4-FFF2-40B4-BE49-F238E27FC236}">
-                <a16:creationId xmlns:a16="http://schemas.microsoft.com/office/drawing/2014/main" id="{089E2703-83C4-475F-A313-D39049E9AC76}"/>
-              </a:ext>
-            </a:extLst>
-          </p:cNvPr>
+          <p:cNvPr id="4" name="Slide Number Placeholder 3"/>
           <p:cNvSpPr>
             <a:spLocks noGrp="1"/>
           </p:cNvSpPr>
@@ -5693,19 +5304,12 @@
           <a:p>
             <a:fld id="{BFFE4285-B3AA-4EA8-95EE-A184E1298ABA}" type="slidenum">
               <a:rPr lang="zh-CN" altLang="en-US"/>
-              <a:pPr/>
-              <a:t>‹#›</a:t>
             </a:fld>
             <a:endParaRPr lang="zh-CN" altLang="en-US"/>
           </a:p>
         </p:txBody>
       </p:sp>
     </p:spTree>
-    <p:extLst>
-      <p:ext uri="{BB962C8B-B14F-4D97-AF65-F5344CB8AC3E}">
-        <p14:creationId xmlns:p14="http://schemas.microsoft.com/office/powerpoint/2010/main" val="74999168"/>
-      </p:ext>
-    </p:extLst>
   </p:cSld>
   <p:clrMapOvr>
     <a:masterClrMapping/>
@@ -5821,13 +5425,7 @@
       </p:sp>
       <p:sp>
         <p:nvSpPr>
-          <p:cNvPr id="5" name="Date Placeholder 3">
-            <a:extLst>
-              <a:ext uri="{FF2B5EF4-FFF2-40B4-BE49-F238E27FC236}">
-                <a16:creationId xmlns:a16="http://schemas.microsoft.com/office/drawing/2014/main" id="{D7B697E4-A41C-484C-97E7-19236DB0EDA4}"/>
-              </a:ext>
-            </a:extLst>
-          </p:cNvPr>
+          <p:cNvPr id="5" name="Date Placeholder 3"/>
           <p:cNvSpPr>
             <a:spLocks noGrp="1"/>
           </p:cNvSpPr>
@@ -5846,8 +5444,6 @@
           <a:p>
             <a:fld id="{C33D8BF3-04B1-4578-9944-A784348B543C}" type="datetimeFigureOut">
               <a:rPr lang="zh-CN" altLang="en-US"/>
-              <a:pPr/>
-              <a:t>2020/11/16</a:t>
             </a:fld>
             <a:endParaRPr lang="zh-CN" altLang="en-US"/>
           </a:p>
@@ -5855,13 +5451,7 @@
       </p:sp>
       <p:sp>
         <p:nvSpPr>
-          <p:cNvPr id="6" name="Footer Placeholder 4">
-            <a:extLst>
-              <a:ext uri="{FF2B5EF4-FFF2-40B4-BE49-F238E27FC236}">
-                <a16:creationId xmlns:a16="http://schemas.microsoft.com/office/drawing/2014/main" id="{CE9E1045-F23A-4B41-B020-7FE25E7732BD}"/>
-              </a:ext>
-            </a:extLst>
-          </p:cNvPr>
+          <p:cNvPr id="6" name="Footer Placeholder 4"/>
           <p:cNvSpPr>
             <a:spLocks noGrp="1"/>
           </p:cNvSpPr>
@@ -5884,13 +5474,7 @@
       </p:sp>
       <p:sp>
         <p:nvSpPr>
-          <p:cNvPr id="7" name="Slide Number Placeholder 5">
-            <a:extLst>
-              <a:ext uri="{FF2B5EF4-FFF2-40B4-BE49-F238E27FC236}">
-                <a16:creationId xmlns:a16="http://schemas.microsoft.com/office/drawing/2014/main" id="{270C0AD2-250D-4274-91F0-E7DB9D9BF7B7}"/>
-              </a:ext>
-            </a:extLst>
-          </p:cNvPr>
+          <p:cNvPr id="7" name="Slide Number Placeholder 5"/>
           <p:cNvSpPr>
             <a:spLocks noGrp="1"/>
           </p:cNvSpPr>
@@ -5909,19 +5493,12 @@
           <a:p>
             <a:fld id="{96971416-DAD5-425B-9532-E8104FDF1763}" type="slidenum">
               <a:rPr lang="zh-CN" altLang="en-US"/>
-              <a:pPr/>
-              <a:t>‹#›</a:t>
             </a:fld>
             <a:endParaRPr lang="zh-CN" altLang="en-US"/>
           </a:p>
         </p:txBody>
       </p:sp>
     </p:spTree>
-    <p:extLst>
-      <p:ext uri="{BB962C8B-B14F-4D97-AF65-F5344CB8AC3E}">
-        <p14:creationId xmlns:p14="http://schemas.microsoft.com/office/powerpoint/2010/main" val="897442459"/>
-      </p:ext>
-    </p:extLst>
   </p:cSld>
   <p:clrMapOvr>
     <a:masterClrMapping/>
@@ -5930,7 +5507,7 @@
 </file>
 
 <file path=ppt/slideLayouts/slideLayout9.xml><?xml version="1.0" encoding="utf-8"?>
-<p:sldLayout xmlns:a="http://schemas.openxmlformats.org/drawingml/2006/main" xmlns:r="http://schemas.openxmlformats.org/officeDocument/2006/relationships" xmlns:p="http://schemas.openxmlformats.org/presentationml/2006/main" showMasterSp="0" type="vertTitleAndTx" preserve="1">
+<p:sldLayout xmlns:a="http://schemas.openxmlformats.org/drawingml/2006/main" xmlns:r="http://schemas.openxmlformats.org/officeDocument/2006/relationships" xmlns:p="http://schemas.openxmlformats.org/presentationml/2006/main" type="vertTitleAndTx" preserve="1" showMasterSp="0">
   <p:cSld name="垂直排列标题与&#10;文本">
     <p:spTree>
       <p:nvGrpSpPr>
@@ -6009,6 +5586,7 @@
               <a:rPr lang="zh-CN" altLang="en-US" noProof="1"/>
               <a:t>单击此处编辑母版文本样式</a:t>
             </a:r>
+            <a:endParaRPr lang="zh-CN" altLang="en-US" noProof="1"/>
           </a:p>
           <a:p>
             <a:pPr lvl="1"/>
@@ -6016,6 +5594,7 @@
               <a:rPr lang="zh-CN" altLang="en-US" noProof="1"/>
               <a:t>第二级</a:t>
             </a:r>
+            <a:endParaRPr lang="zh-CN" altLang="en-US" noProof="1"/>
           </a:p>
           <a:p>
             <a:pPr lvl="2"/>
@@ -6023,6 +5602,7 @@
               <a:rPr lang="zh-CN" altLang="en-US" noProof="1"/>
               <a:t>第三级</a:t>
             </a:r>
+            <a:endParaRPr lang="zh-CN" altLang="en-US" noProof="1"/>
           </a:p>
           <a:p>
             <a:pPr lvl="3"/>
@@ -6030,6 +5610,7 @@
               <a:rPr lang="zh-CN" altLang="en-US" noProof="1"/>
               <a:t>第四级</a:t>
             </a:r>
+            <a:endParaRPr lang="zh-CN" altLang="en-US" noProof="1"/>
           </a:p>
           <a:p>
             <a:pPr lvl="4"/>
@@ -6043,13 +5624,7 @@
       </p:sp>
       <p:sp>
         <p:nvSpPr>
-          <p:cNvPr id="4" name="Date Placeholder 3">
-            <a:extLst>
-              <a:ext uri="{FF2B5EF4-FFF2-40B4-BE49-F238E27FC236}">
-                <a16:creationId xmlns:a16="http://schemas.microsoft.com/office/drawing/2014/main" id="{3443F08E-D600-41D6-9CB6-EE816AF37805}"/>
-              </a:ext>
-            </a:extLst>
-          </p:cNvPr>
+          <p:cNvPr id="4" name="Date Placeholder 3"/>
           <p:cNvSpPr>
             <a:spLocks noGrp="1"/>
           </p:cNvSpPr>
@@ -6068,8 +5643,6 @@
           <a:p>
             <a:fld id="{C33D8BF3-04B1-4578-9944-A784348B543C}" type="datetimeFigureOut">
               <a:rPr lang="zh-CN" altLang="en-US"/>
-              <a:pPr/>
-              <a:t>2020/11/16</a:t>
             </a:fld>
             <a:endParaRPr lang="zh-CN" altLang="en-US"/>
           </a:p>
@@ -6077,13 +5650,7 @@
       </p:sp>
       <p:sp>
         <p:nvSpPr>
-          <p:cNvPr id="5" name="Footer Placeholder 4">
-            <a:extLst>
-              <a:ext uri="{FF2B5EF4-FFF2-40B4-BE49-F238E27FC236}">
-                <a16:creationId xmlns:a16="http://schemas.microsoft.com/office/drawing/2014/main" id="{6DB39388-9BAA-489A-809E-A2A113D9CB75}"/>
-              </a:ext>
-            </a:extLst>
-          </p:cNvPr>
+          <p:cNvPr id="5" name="Footer Placeholder 4"/>
           <p:cNvSpPr>
             <a:spLocks noGrp="1"/>
           </p:cNvSpPr>
@@ -6106,13 +5673,7 @@
       </p:sp>
       <p:sp>
         <p:nvSpPr>
-          <p:cNvPr id="6" name="Slide Number Placeholder 5">
-            <a:extLst>
-              <a:ext uri="{FF2B5EF4-FFF2-40B4-BE49-F238E27FC236}">
-                <a16:creationId xmlns:a16="http://schemas.microsoft.com/office/drawing/2014/main" id="{55388281-3835-4C19-BD4D-051823A6C97E}"/>
-              </a:ext>
-            </a:extLst>
-          </p:cNvPr>
+          <p:cNvPr id="6" name="Slide Number Placeholder 5"/>
           <p:cNvSpPr>
             <a:spLocks noGrp="1"/>
           </p:cNvSpPr>
@@ -6131,19 +5692,12 @@
           <a:p>
             <a:fld id="{08BFAB1F-ED9B-4600-8B05-4B2671A95C10}" type="slidenum">
               <a:rPr lang="zh-CN" altLang="en-US"/>
-              <a:pPr/>
-              <a:t>‹#›</a:t>
             </a:fld>
             <a:endParaRPr lang="zh-CN" altLang="en-US"/>
           </a:p>
         </p:txBody>
       </p:sp>
     </p:spTree>
-    <p:extLst>
-      <p:ext uri="{BB962C8B-B14F-4D97-AF65-F5344CB8AC3E}">
-        <p14:creationId xmlns:p14="http://schemas.microsoft.com/office/powerpoint/2010/main" val="2353936583"/>
-      </p:ext>
-    </p:extLst>
   </p:cSld>
   <p:clrMapOvr>
     <a:masterClrMapping/>
@@ -6178,13 +5732,7 @@
       </p:grpSpPr>
       <p:sp>
         <p:nvSpPr>
-          <p:cNvPr id="7" name="矩形 6">
-            <a:extLst>
-              <a:ext uri="{FF2B5EF4-FFF2-40B4-BE49-F238E27FC236}">
-                <a16:creationId xmlns:a16="http://schemas.microsoft.com/office/drawing/2014/main" id="{6DB7DCE8-0302-41F2-A8CE-DD05D6592E53}"/>
-              </a:ext>
-            </a:extLst>
-          </p:cNvPr>
+          <p:cNvPr id="7" name="矩形 6"/>
           <p:cNvSpPr/>
           <p:nvPr/>
         </p:nvSpPr>
@@ -6234,13 +5782,7 @@
       </p:sp>
       <p:sp>
         <p:nvSpPr>
-          <p:cNvPr id="8" name="矩形 7">
-            <a:extLst>
-              <a:ext uri="{FF2B5EF4-FFF2-40B4-BE49-F238E27FC236}">
-                <a16:creationId xmlns:a16="http://schemas.microsoft.com/office/drawing/2014/main" id="{A563274F-A840-4CF7-8659-54934B06F33A}"/>
-              </a:ext>
-            </a:extLst>
-          </p:cNvPr>
+          <p:cNvPr id="8" name="矩形 7"/>
           <p:cNvSpPr/>
           <p:nvPr/>
         </p:nvSpPr>
@@ -6253,7 +5795,7 @@
             <a:avLst/>
           </a:prstGeom>
           <a:blipFill dpi="0" rotWithShape="1">
-            <a:blip r:embed="rId16" cstate="print">
+            <a:blip r:embed="rId13" cstate="print">
               <a:extLst>
                 <a:ext uri="{28A0092B-C50C-407E-A947-70E740481C1C}">
                   <a14:useLocalDpi xmlns:a14="http://schemas.microsoft.com/office/drawing/2010/main" val="0"/>
@@ -6300,13 +5842,7 @@
       </p:sp>
       <p:sp>
         <p:nvSpPr>
-          <p:cNvPr id="1028" name="Title Placeholder 1">
-            <a:extLst>
-              <a:ext uri="{FF2B5EF4-FFF2-40B4-BE49-F238E27FC236}">
-                <a16:creationId xmlns:a16="http://schemas.microsoft.com/office/drawing/2014/main" id="{B1B1A999-7175-4E7E-BC5C-6A6A96E9FC99}"/>
-              </a:ext>
-            </a:extLst>
-          </p:cNvPr>
+          <p:cNvPr id="1028" name="Title Placeholder 1"/>
           <p:cNvSpPr>
             <a:spLocks noGrp="1" noChangeArrowheads="1"/>
           </p:cNvSpPr>
@@ -6350,11 +5886,7 @@
           </a:extLst>
         </p:spPr>
         <p:txBody>
-          <a:bodyPr vert="horz" wrap="square" lIns="91440" tIns="45720" rIns="91440" bIns="45720" numCol="1" anchor="ctr" anchorCtr="0" compatLnSpc="1">
-            <a:prstTxWarp prst="textNoShape">
-              <a:avLst/>
-            </a:prstTxWarp>
-          </a:bodyPr>
+          <a:bodyPr vert="horz" wrap="square" lIns="91440" tIns="45720" rIns="91440" bIns="45720" numCol="1" anchor="ctr" anchorCtr="0" compatLnSpc="1"/>
           <a:lstStyle/>
           <a:p>
             <a:pPr lvl="0"/>
@@ -6368,13 +5900,7 @@
       </p:sp>
       <p:sp>
         <p:nvSpPr>
-          <p:cNvPr id="3" name="Text Placeholder 2">
-            <a:extLst>
-              <a:ext uri="{FF2B5EF4-FFF2-40B4-BE49-F238E27FC236}">
-                <a16:creationId xmlns:a16="http://schemas.microsoft.com/office/drawing/2014/main" id="{0B3839A0-AF55-4901-A4FF-82498482AC7C}"/>
-              </a:ext>
-            </a:extLst>
-          </p:cNvPr>
+          <p:cNvPr id="3" name="Text Placeholder 2"/>
           <p:cNvSpPr>
             <a:spLocks noGrp="1"/>
           </p:cNvSpPr>
@@ -6405,6 +5931,7 @@
               <a:rPr lang="zh-CN" altLang="en-US" noProof="1"/>
               <a:t>单击此处编辑母版文本样式</a:t>
             </a:r>
+            <a:endParaRPr lang="zh-CN" altLang="en-US" noProof="1"/>
           </a:p>
           <a:p>
             <a:pPr lvl="1"/>
@@ -6412,6 +5939,7 @@
               <a:rPr lang="zh-CN" altLang="en-US" noProof="1"/>
               <a:t>第二级</a:t>
             </a:r>
+            <a:endParaRPr lang="zh-CN" altLang="en-US" noProof="1"/>
           </a:p>
           <a:p>
             <a:pPr lvl="2"/>
@@ -6419,6 +5947,7 @@
               <a:rPr lang="zh-CN" altLang="en-US" noProof="1"/>
               <a:t>第三级</a:t>
             </a:r>
+            <a:endParaRPr lang="zh-CN" altLang="en-US" noProof="1"/>
           </a:p>
           <a:p>
             <a:pPr lvl="3"/>
@@ -6426,6 +5955,7 @@
               <a:rPr lang="zh-CN" altLang="en-US" noProof="1"/>
               <a:t>第四级</a:t>
             </a:r>
+            <a:endParaRPr lang="zh-CN" altLang="en-US" noProof="1"/>
           </a:p>
           <a:p>
             <a:pPr lvl="4"/>
@@ -6439,13 +5969,7 @@
       </p:sp>
       <p:sp>
         <p:nvSpPr>
-          <p:cNvPr id="4" name="Date Placeholder 3">
-            <a:extLst>
-              <a:ext uri="{FF2B5EF4-FFF2-40B4-BE49-F238E27FC236}">
-                <a16:creationId xmlns:a16="http://schemas.microsoft.com/office/drawing/2014/main" id="{7074D041-F9AF-4EF5-AF4C-046192EEDBCB}"/>
-              </a:ext>
-            </a:extLst>
-          </p:cNvPr>
+          <p:cNvPr id="4" name="Date Placeholder 3"/>
           <p:cNvSpPr>
             <a:spLocks noGrp="1"/>
           </p:cNvSpPr>
@@ -6478,8 +6002,6 @@
           <a:p>
             <a:fld id="{C33D8BF3-04B1-4578-9944-A784348B543C}" type="datetimeFigureOut">
               <a:rPr lang="zh-CN" altLang="en-US"/>
-              <a:pPr/>
-              <a:t>2020/11/16</a:t>
             </a:fld>
             <a:endParaRPr lang="zh-CN" altLang="en-US"/>
           </a:p>
@@ -6487,13 +6009,7 @@
       </p:sp>
       <p:sp>
         <p:nvSpPr>
-          <p:cNvPr id="5" name="Footer Placeholder 4">
-            <a:extLst>
-              <a:ext uri="{FF2B5EF4-FFF2-40B4-BE49-F238E27FC236}">
-                <a16:creationId xmlns:a16="http://schemas.microsoft.com/office/drawing/2014/main" id="{531283E9-25CE-4120-A3D3-E74EDD296398}"/>
-              </a:ext>
-            </a:extLst>
-          </p:cNvPr>
+          <p:cNvPr id="5" name="Footer Placeholder 4"/>
           <p:cNvSpPr>
             <a:spLocks noGrp="1"/>
           </p:cNvSpPr>
@@ -6530,13 +6046,7 @@
       </p:sp>
       <p:sp>
         <p:nvSpPr>
-          <p:cNvPr id="6" name="Slide Number Placeholder 5">
-            <a:extLst>
-              <a:ext uri="{FF2B5EF4-FFF2-40B4-BE49-F238E27FC236}">
-                <a16:creationId xmlns:a16="http://schemas.microsoft.com/office/drawing/2014/main" id="{0BA8643E-C686-4AD5-8073-323B1EB7FAC4}"/>
-              </a:ext>
-            </a:extLst>
-          </p:cNvPr>
+          <p:cNvPr id="6" name="Slide Number Placeholder 5"/>
           <p:cNvSpPr>
             <a:spLocks noGrp="1"/>
           </p:cNvSpPr>
@@ -6554,11 +6064,7 @@
           </a:prstGeom>
         </p:spPr>
         <p:txBody>
-          <a:bodyPr vert="horz" wrap="square" lIns="91440" tIns="45720" rIns="91440" bIns="45720" numCol="1" anchor="ctr" anchorCtr="0" compatLnSpc="1">
-            <a:prstTxWarp prst="textNoShape">
-              <a:avLst/>
-            </a:prstTxWarp>
-          </a:bodyPr>
+          <a:bodyPr vert="horz" wrap="square" lIns="91440" tIns="45720" rIns="91440" bIns="45720" numCol="1" anchor="ctr" anchorCtr="0" compatLnSpc="1"/>
           <a:lstStyle>
             <a:lvl1pPr algn="r">
               <a:defRPr sz="900">
@@ -6571,8 +6077,6 @@
           <a:p>
             <a:fld id="{0AA1CAAA-5F58-4A3C-888C-71D012A8FB07}" type="slidenum">
               <a:rPr lang="zh-CN" altLang="en-US"/>
-              <a:pPr/>
-              <a:t>‹#›</a:t>
             </a:fld>
             <a:endParaRPr lang="zh-CN" altLang="en-US"/>
           </a:p>
@@ -6582,18 +6086,18 @@
   </p:cSld>
   <p:clrMap bg1="lt1" tx1="dk1" bg2="lt2" tx2="dk2" accent1="accent1" accent2="accent2" accent3="accent3" accent4="accent4" accent5="accent5" accent6="accent6" hlink="hlink" folHlink="folHlink"/>
   <p:sldLayoutIdLst>
-    <p:sldLayoutId id="2147483679" r:id="rId1"/>
-    <p:sldLayoutId id="2147483678" r:id="rId2"/>
-    <p:sldLayoutId id="2147483680" r:id="rId3"/>
-    <p:sldLayoutId id="2147483677" r:id="rId4"/>
-    <p:sldLayoutId id="2147483676" r:id="rId5"/>
-    <p:sldLayoutId id="2147483681" r:id="rId6"/>
-    <p:sldLayoutId id="2147483682" r:id="rId7"/>
-    <p:sldLayoutId id="2147483675" r:id="rId8"/>
-    <p:sldLayoutId id="2147483683" r:id="rId9"/>
-    <p:sldLayoutId id="2147483674" r:id="rId10"/>
-    <p:sldLayoutId id="2147483673" r:id="rId11"/>
-    <p:sldLayoutId id="2147483672" r:id="rId12"/>
+    <p:sldLayoutId id="2147483649" r:id="rId1"/>
+    <p:sldLayoutId id="2147483650" r:id="rId2"/>
+    <p:sldLayoutId id="2147483651" r:id="rId3"/>
+    <p:sldLayoutId id="2147483652" r:id="rId4"/>
+    <p:sldLayoutId id="2147483653" r:id="rId5"/>
+    <p:sldLayoutId id="2147483654" r:id="rId6"/>
+    <p:sldLayoutId id="2147483655" r:id="rId7"/>
+    <p:sldLayoutId id="2147483656" r:id="rId8"/>
+    <p:sldLayoutId id="2147483657" r:id="rId9"/>
+    <p:sldLayoutId id="2147483658" r:id="rId10"/>
+    <p:sldLayoutId id="2147483659" r:id="rId11"/>
+    <p:sldLayoutId id="2147483660" r:id="rId12"/>
   </p:sldLayoutIdLst>
   <p:txStyles>
     <p:titleStyle>
@@ -7059,13 +6563,7 @@
       </p:grpSpPr>
       <p:sp>
         <p:nvSpPr>
-          <p:cNvPr id="2" name="矩形 1">
-            <a:extLst>
-              <a:ext uri="{FF2B5EF4-FFF2-40B4-BE49-F238E27FC236}">
-                <a16:creationId xmlns:a16="http://schemas.microsoft.com/office/drawing/2014/main" id="{359B9576-4A57-4440-B049-CB3C22736539}"/>
-              </a:ext>
-            </a:extLst>
-          </p:cNvPr>
+          <p:cNvPr id="2" name="矩形 1"/>
           <p:cNvSpPr/>
           <p:nvPr/>
         </p:nvSpPr>
@@ -7113,13 +6611,7 @@
       </p:sp>
       <p:sp>
         <p:nvSpPr>
-          <p:cNvPr id="3" name="文本框 2">
-            <a:extLst>
-              <a:ext uri="{FF2B5EF4-FFF2-40B4-BE49-F238E27FC236}">
-                <a16:creationId xmlns:a16="http://schemas.microsoft.com/office/drawing/2014/main" id="{8940B368-01CE-4BFC-9B00-C2267E4DF778}"/>
-              </a:ext>
-            </a:extLst>
-          </p:cNvPr>
+          <p:cNvPr id="3" name="文本框 2"/>
           <p:cNvSpPr txBox="1"/>
           <p:nvPr/>
         </p:nvSpPr>
@@ -7145,7 +6637,7 @@
             <a:r>
               <a:rPr lang="zh-CN" altLang="en-US" sz="3000" kern="10" noProof="1">
                 <a:blipFill dpi="0" rotWithShape="1">
-                  <a:blip r:embed="rId4"/>
+                  <a:blip r:embed="rId1"/>
                   <a:srcRect/>
                   <a:tile tx="0" ty="0" sx="100000" sy="100000" flip="none" algn="tl"/>
                 </a:blipFill>
@@ -7174,13 +6666,7 @@
       </p:sp>
       <p:sp>
         <p:nvSpPr>
-          <p:cNvPr id="5" name="TextBox 23">
-            <a:extLst>
-              <a:ext uri="{FF2B5EF4-FFF2-40B4-BE49-F238E27FC236}">
-                <a16:creationId xmlns:a16="http://schemas.microsoft.com/office/drawing/2014/main" id="{6C60F269-6390-4D6A-870E-3B7D151F9A67}"/>
-              </a:ext>
-            </a:extLst>
-          </p:cNvPr>
+          <p:cNvPr id="5" name="TextBox 23"/>
           <p:cNvSpPr txBox="1">
             <a:spLocks noChangeArrowheads="1"/>
           </p:cNvSpPr>
@@ -7334,6 +6820,7 @@
               <a:rPr lang="zh-CN" altLang="en-US" sz="1400" dirty="0"/>
               <a:t>定义</a:t>
             </a:r>
+            <a:endParaRPr lang="zh-CN" altLang="en-US" sz="1400" dirty="0"/>
           </a:p>
           <a:p>
             <a:pPr>
@@ -7351,6 +6838,7 @@
               <a:rPr lang="zh-CN" altLang="en-US" sz="1400" dirty="0"/>
               <a:t>分类</a:t>
             </a:r>
+            <a:endParaRPr lang="zh-CN" altLang="en-US" sz="1400" dirty="0"/>
           </a:p>
           <a:p>
             <a:pPr>
@@ -7368,6 +6856,7 @@
               <a:rPr lang="zh-CN" altLang="en-US" sz="1400" dirty="0"/>
               <a:t>两种启动方法</a:t>
             </a:r>
+            <a:endParaRPr lang="zh-CN" altLang="en-US" sz="1400" dirty="0"/>
           </a:p>
           <a:p>
             <a:pPr>
@@ -7385,6 +6874,7 @@
               <a:rPr lang="zh-CN" altLang="en-US" sz="1400" dirty="0"/>
               <a:t>生命周期</a:t>
             </a:r>
+            <a:endParaRPr lang="zh-CN" altLang="en-US" sz="1400" dirty="0"/>
           </a:p>
           <a:p>
             <a:pPr>
@@ -7402,6 +6892,7 @@
               <a:rPr lang="zh-CN" altLang="en-US" sz="1400" dirty="0"/>
               <a:t>基本用法</a:t>
             </a:r>
+            <a:endParaRPr lang="zh-CN" altLang="en-US" sz="1400" dirty="0"/>
           </a:p>
           <a:p>
             <a:pPr>
@@ -7419,18 +6910,13 @@
               <a:rPr lang="zh-CN" altLang="en-US" sz="1400" dirty="0"/>
               <a:t>音乐播放器实例		</a:t>
             </a:r>
+            <a:endParaRPr lang="zh-CN" altLang="en-US" sz="1400" dirty="0"/>
           </a:p>
         </p:txBody>
       </p:sp>
       <p:sp>
         <p:nvSpPr>
-          <p:cNvPr id="9" name="文本框 8">
-            <a:extLst>
-              <a:ext uri="{FF2B5EF4-FFF2-40B4-BE49-F238E27FC236}">
-                <a16:creationId xmlns:a16="http://schemas.microsoft.com/office/drawing/2014/main" id="{3CF6367A-60A0-4931-8E97-8EB721163127}"/>
-              </a:ext>
-            </a:extLst>
-          </p:cNvPr>
+          <p:cNvPr id="9" name="文本框 8"/>
           <p:cNvSpPr txBox="1"/>
           <p:nvPr/>
         </p:nvSpPr>
@@ -7471,18 +6957,23 @@
               </a:rPr>
               <a:t>服务</a:t>
             </a:r>
+            <a:endParaRPr lang="zh-CN" altLang="en-US" sz="2400" b="1" kern="10" dirty="0">
+              <a:effectLst>
+                <a:outerShdw blurRad="38100" dist="19050" dir="2700000" algn="tl" rotWithShape="0">
+                  <a:schemeClr val="dk1">
+                    <a:alpha val="40000"/>
+                  </a:schemeClr>
+                </a:outerShdw>
+              </a:effectLst>
+              <a:latin typeface="微软雅黑" panose="020B0503020204020204" pitchFamily="34" charset="-122"/>
+              <a:ea typeface="微软雅黑" panose="020B0503020204020204" pitchFamily="34" charset="-122"/>
+            </a:endParaRPr>
           </a:p>
         </p:txBody>
       </p:sp>
       <p:sp>
         <p:nvSpPr>
-          <p:cNvPr id="10" name="矩形 9">
-            <a:extLst>
-              <a:ext uri="{FF2B5EF4-FFF2-40B4-BE49-F238E27FC236}">
-                <a16:creationId xmlns:a16="http://schemas.microsoft.com/office/drawing/2014/main" id="{B1548F05-8113-427F-BA43-13EC71B2F7FE}"/>
-              </a:ext>
-            </a:extLst>
-          </p:cNvPr>
+          <p:cNvPr id="10" name="矩形 9"/>
           <p:cNvSpPr/>
           <p:nvPr/>
         </p:nvSpPr>
@@ -7530,13 +7021,7 @@
       </p:sp>
       <p:sp>
         <p:nvSpPr>
-          <p:cNvPr id="11" name="矩形 10">
-            <a:extLst>
-              <a:ext uri="{FF2B5EF4-FFF2-40B4-BE49-F238E27FC236}">
-                <a16:creationId xmlns:a16="http://schemas.microsoft.com/office/drawing/2014/main" id="{9D9D120B-1748-4033-951A-1A257C346BEC}"/>
-              </a:ext>
-            </a:extLst>
-          </p:cNvPr>
+          <p:cNvPr id="11" name="矩形 10"/>
           <p:cNvSpPr/>
           <p:nvPr/>
         </p:nvSpPr>
@@ -7584,7 +7069,7 @@
       </p:sp>
     </p:spTree>
     <p:custDataLst>
-      <p:tags r:id="rId1"/>
+      <p:tags r:id="rId2"/>
     </p:custDataLst>
   </p:cSld>
   <p:clrMapOvr>
@@ -7602,7 +7087,7 @@
               <p:cTn id="2" dur="indefinite" nodeType="mainSeq">
                 <p:childTnLst>
                   <p:par>
-                    <p:cTn id="3" fill="hold" nodeType="clickPar">
+                    <p:cTn id="3" fill="hold">
                       <p:stCondLst>
                         <p:cond delay="indefinite"/>
                         <p:cond evt="onBegin" delay="0">
@@ -7611,7 +7096,7 @@
                       </p:stCondLst>
                       <p:childTnLst>
                         <p:par>
-                          <p:cTn id="4" fill="hold" nodeType="withGroup">
+                          <p:cTn id="4" fill="hold">
                             <p:stCondLst>
                               <p:cond delay="0"/>
                             </p:stCondLst>
@@ -7798,9 +7283,9 @@
                           </p:cTn>
                         </p:par>
                         <p:par>
-                          <p:cTn id="18" fill="hold" nodeType="afterGroup">
+                          <p:cTn id="18" fill="hold">
                             <p:stCondLst>
-                              <p:cond delay="700"/>
+                              <p:cond delay="500"/>
                             </p:stCondLst>
                             <p:childTnLst>
                               <p:par>
@@ -7880,9 +7365,9 @@
                           </p:cTn>
                         </p:par>
                         <p:par>
-                          <p:cTn id="23" fill="hold" nodeType="afterGroup">
+                          <p:cTn id="23" fill="hold">
                             <p:stCondLst>
-                              <p:cond delay="1200"/>
+                              <p:cond delay="1000"/>
                             </p:stCondLst>
                             <p:childTnLst>
                               <p:par>
@@ -7976,13 +7461,7 @@
       </p:grpSpPr>
       <p:sp>
         <p:nvSpPr>
-          <p:cNvPr id="18433" name="标题 1">
-            <a:extLst>
-              <a:ext uri="{FF2B5EF4-FFF2-40B4-BE49-F238E27FC236}">
-                <a16:creationId xmlns:a16="http://schemas.microsoft.com/office/drawing/2014/main" id="{3B943229-3181-4A0A-9E08-C8441D9DC0C3}"/>
-              </a:ext>
-            </a:extLst>
-          </p:cNvPr>
+          <p:cNvPr id="18433" name="标题 1"/>
           <p:cNvSpPr>
             <a:spLocks noGrp="1" noChangeArrowheads="1"/>
           </p:cNvSpPr>
@@ -8003,18 +7482,13 @@
               <a:rPr lang="zh-CN" altLang="en-US"/>
               <a:t>音乐播放器实例</a:t>
             </a:r>
+            <a:endParaRPr lang="zh-CN" altLang="en-US"/>
           </a:p>
         </p:txBody>
       </p:sp>
       <p:sp>
         <p:nvSpPr>
-          <p:cNvPr id="3" name="内容占位符 2">
-            <a:extLst>
-              <a:ext uri="{FF2B5EF4-FFF2-40B4-BE49-F238E27FC236}">
-                <a16:creationId xmlns:a16="http://schemas.microsoft.com/office/drawing/2014/main" id="{5FA4D9BB-9192-44A5-8092-A7F54F87126C}"/>
-              </a:ext>
-            </a:extLst>
-          </p:cNvPr>
+          <p:cNvPr id="3" name="内容占位符 2"/>
           <p:cNvSpPr>
             <a:spLocks noGrp="1"/>
           </p:cNvSpPr>
@@ -8050,6 +7524,7 @@
               <a:rPr lang="zh-CN" noProof="1"/>
               <a:t>本地服务</a:t>
             </a:r>
+            <a:endParaRPr lang="zh-CN" noProof="1"/>
           </a:p>
           <a:p>
             <a:pPr marL="0" indent="0" fontAlgn="auto">
@@ -8064,6 +7539,7 @@
               <a:rPr lang="en-US" altLang="zh-CN" sz="1200" noProof="1"/>
               <a:t>P118</a:t>
             </a:r>
+            <a:endParaRPr lang="en-US" altLang="zh-CN" sz="1200" noProof="1"/>
           </a:p>
           <a:p>
             <a:pPr fontAlgn="auto"/>
@@ -8081,6 +7557,7 @@
               <a:rPr lang="zh-CN" altLang="en-US" noProof="1"/>
               <a:t>远程服务</a:t>
             </a:r>
+            <a:endParaRPr lang="zh-CN" altLang="en-US" noProof="1"/>
           </a:p>
           <a:p>
             <a:pPr marL="0" indent="0" fontAlgn="auto">
@@ -8095,6 +7572,7 @@
               <a:rPr lang="en-US" altLang="zh-CN" sz="1200" noProof="1"/>
               <a:t>P123</a:t>
             </a:r>
+            <a:endParaRPr lang="en-US" altLang="zh-CN" sz="1200" noProof="1"/>
           </a:p>
           <a:p>
             <a:pPr fontAlgn="auto">
@@ -8105,6 +7583,7 @@
               <a:rPr lang="en-US" altLang="zh-CN" sz="1200" noProof="1"/>
               <a:t>使用AIDL语言定义远程服务的接口</a:t>
             </a:r>
+            <a:endParaRPr lang="en-US" altLang="zh-CN" sz="1200" noProof="1"/>
           </a:p>
           <a:p>
             <a:pPr fontAlgn="auto">
@@ -8115,6 +7594,7 @@
               <a:rPr lang="en-US" altLang="zh-CN" sz="1200" noProof="1"/>
               <a:t>通过继承Service类实现接口中定义的方法和属性</a:t>
             </a:r>
+            <a:endParaRPr lang="en-US" altLang="zh-CN" sz="1200" noProof="1"/>
           </a:p>
           <a:p>
             <a:pPr fontAlgn="auto">
@@ -8125,6 +7605,7 @@
               <a:rPr lang="en-US" altLang="zh-CN" sz="1200" noProof="1"/>
               <a:t>绑定和使用远程服务</a:t>
             </a:r>
+            <a:endParaRPr lang="en-US" altLang="zh-CN" sz="1200" noProof="1"/>
           </a:p>
           <a:p>
             <a:pPr fontAlgn="auto">
@@ -8149,6 +7630,7 @@
               <a:rPr lang="zh-CN" altLang="en-US" sz="1200" noProof="1"/>
               <a:t>扩展学习远程服务：</a:t>
             </a:r>
+            <a:endParaRPr lang="zh-CN" altLang="en-US" sz="1200" noProof="1"/>
           </a:p>
           <a:p>
             <a:pPr marL="0" indent="0" fontAlgn="auto">
@@ -8159,25 +7641,20 @@
               <a:rPr lang="zh-CN" altLang="en-US" sz="1200" noProof="1"/>
               <a:t>http://blog.csdn.net/yhaolpz/article/details/51336753</a:t>
             </a:r>
+            <a:endParaRPr lang="zh-CN" altLang="en-US" sz="1200" noProof="1"/>
           </a:p>
         </p:txBody>
       </p:sp>
       <p:pic>
         <p:nvPicPr>
-          <p:cNvPr id="18435" name="图片 3" descr="TIM截图20171017001247">
-            <a:extLst>
-              <a:ext uri="{FF2B5EF4-FFF2-40B4-BE49-F238E27FC236}">
-                <a16:creationId xmlns:a16="http://schemas.microsoft.com/office/drawing/2014/main" id="{B70495D4-BA90-496F-8A0D-636F7E5F1D63}"/>
-              </a:ext>
-            </a:extLst>
-          </p:cNvPr>
+          <p:cNvPr id="18435" name="图片 3" descr="TIM截图20171017001247"/>
           <p:cNvPicPr>
             <a:picLocks noChangeAspect="1" noChangeArrowheads="1"/>
           </p:cNvPicPr>
           <p:nvPr/>
         </p:nvPicPr>
         <p:blipFill>
-          <a:blip r:embed="rId3">
+          <a:blip r:embed="rId1">
             <a:extLst>
               <a:ext uri="{28A0092B-C50C-407E-A947-70E740481C1C}">
                 <a14:useLocalDpi xmlns:a14="http://schemas.microsoft.com/office/drawing/2010/main" val="0"/>
@@ -8224,20 +7701,14 @@
       </p:pic>
       <p:pic>
         <p:nvPicPr>
-          <p:cNvPr id="18436" name="图片 4" descr="TIM截图20171017002710">
-            <a:extLst>
-              <a:ext uri="{FF2B5EF4-FFF2-40B4-BE49-F238E27FC236}">
-                <a16:creationId xmlns:a16="http://schemas.microsoft.com/office/drawing/2014/main" id="{08AA2EBE-D09B-4ABB-BE9B-8FD75482B867}"/>
-              </a:ext>
-            </a:extLst>
-          </p:cNvPr>
+          <p:cNvPr id="18436" name="图片 4" descr="TIM截图20171017002710"/>
           <p:cNvPicPr>
             <a:picLocks noChangeAspect="1" noChangeArrowheads="1"/>
           </p:cNvPicPr>
           <p:nvPr/>
         </p:nvPicPr>
         <p:blipFill>
-          <a:blip r:embed="rId4">
+          <a:blip r:embed="rId2">
             <a:extLst>
               <a:ext uri="{28A0092B-C50C-407E-A947-70E740481C1C}">
                 <a14:useLocalDpi xmlns:a14="http://schemas.microsoft.com/office/drawing/2010/main" val="0"/>
@@ -8284,7 +7755,7 @@
       </p:pic>
     </p:spTree>
     <p:custDataLst>
-      <p:tags r:id="rId1"/>
+      <p:tags r:id="rId3"/>
     </p:custDataLst>
   </p:cSld>
   <p:clrMapOvr>
@@ -8312,20 +7783,14 @@
       </p:grpSpPr>
       <p:pic>
         <p:nvPicPr>
-          <p:cNvPr id="74754" name="图片 4" descr="2457331_082944614000_2.jpg">
-            <a:extLst>
-              <a:ext uri="{FF2B5EF4-FFF2-40B4-BE49-F238E27FC236}">
-                <a16:creationId xmlns:a16="http://schemas.microsoft.com/office/drawing/2014/main" id="{6B296298-EE5E-4594-A1C4-8A0234552D53}"/>
-              </a:ext>
-            </a:extLst>
-          </p:cNvPr>
+          <p:cNvPr id="74754" name="图片 4" descr="2457331_082944614000_2.jpg"/>
           <p:cNvPicPr>
             <a:picLocks noChangeAspect="1" noChangeArrowheads="1"/>
           </p:cNvPicPr>
           <p:nvPr/>
         </p:nvPicPr>
         <p:blipFill>
-          <a:blip r:embed="rId3">
+          <a:blip r:embed="rId1">
             <a:extLst>
               <a:ext uri="{28A0092B-C50C-407E-A947-70E740481C1C}">
                 <a14:useLocalDpi xmlns:a14="http://schemas.microsoft.com/office/drawing/2010/main" val="0"/>
@@ -8372,13 +7837,7 @@
       </p:pic>
       <p:sp>
         <p:nvSpPr>
-          <p:cNvPr id="74755" name="TextBox 56">
-            <a:extLst>
-              <a:ext uri="{FF2B5EF4-FFF2-40B4-BE49-F238E27FC236}">
-                <a16:creationId xmlns:a16="http://schemas.microsoft.com/office/drawing/2014/main" id="{75FF821F-A904-4E79-8CD1-238E5B1EA112}"/>
-              </a:ext>
-            </a:extLst>
-          </p:cNvPr>
+          <p:cNvPr id="74755" name="TextBox 56"/>
           <p:cNvSpPr>
             <a:spLocks noChangeArrowheads="1"/>
           </p:cNvSpPr>
@@ -8567,7 +8026,7 @@
       </p:sp>
     </p:spTree>
     <p:custDataLst>
-      <p:tags r:id="rId1"/>
+      <p:tags r:id="rId2"/>
     </p:custDataLst>
   </p:cSld>
   <p:clrMapOvr>
@@ -8585,7 +8044,7 @@
               <p:cTn id="2" dur="indefinite" nodeType="mainSeq">
                 <p:childTnLst>
                   <p:par>
-                    <p:cTn id="3" fill="hold" nodeType="clickPar">
+                    <p:cTn id="3" fill="hold">
                       <p:stCondLst>
                         <p:cond delay="indefinite"/>
                         <p:cond evt="onBegin" delay="0">
@@ -8594,7 +8053,7 @@
                       </p:stCondLst>
                       <p:childTnLst>
                         <p:par>
-                          <p:cTn id="4" fill="hold" nodeType="withGroup">
+                          <p:cTn id="4" fill="hold">
                             <p:stCondLst>
                               <p:cond delay="0"/>
                             </p:stCondLst>
@@ -8676,7 +8135,7 @@
                           </p:cTn>
                         </p:par>
                         <p:par>
-                          <p:cTn id="9" fill="hold" nodeType="afterGroup">
+                          <p:cTn id="9" fill="hold">
                             <p:stCondLst>
                               <p:cond delay="500"/>
                             </p:stCondLst>
@@ -8895,13 +8354,7 @@
       </p:grpSpPr>
       <p:sp>
         <p:nvSpPr>
-          <p:cNvPr id="2" name="标题 1">
-            <a:extLst>
-              <a:ext uri="{FF2B5EF4-FFF2-40B4-BE49-F238E27FC236}">
-                <a16:creationId xmlns:a16="http://schemas.microsoft.com/office/drawing/2014/main" id="{3BE7699F-5DB0-45E4-8D51-164C4E9C6BDD}"/>
-              </a:ext>
-            </a:extLst>
-          </p:cNvPr>
+          <p:cNvPr id="2" name="标题 1"/>
           <p:cNvSpPr>
             <a:spLocks noGrp="1"/>
           </p:cNvSpPr>
@@ -8954,16 +8407,8 @@
       </p:sp>
       <p:grpSp>
         <p:nvGrpSpPr>
-          <p:cNvPr id="10242" name="组合 14">
-            <a:extLst>
-              <a:ext uri="{FF2B5EF4-FFF2-40B4-BE49-F238E27FC236}">
-                <a16:creationId xmlns:a16="http://schemas.microsoft.com/office/drawing/2014/main" id="{AAD1CA72-434C-4145-B814-35B6677A0687}"/>
-              </a:ext>
-            </a:extLst>
-          </p:cNvPr>
-          <p:cNvGrpSpPr>
-            <a:grpSpLocks/>
-          </p:cNvGrpSpPr>
+          <p:cNvPr id="10242" name="组合 14"/>
+          <p:cNvGrpSpPr/>
           <p:nvPr/>
         </p:nvGrpSpPr>
         <p:grpSpPr bwMode="auto">
@@ -8976,13 +8421,7 @@
         </p:grpSpPr>
         <p:sp>
           <p:nvSpPr>
-            <p:cNvPr id="10243" name="矩形 15">
-              <a:extLst>
-                <a:ext uri="{FF2B5EF4-FFF2-40B4-BE49-F238E27FC236}">
-                  <a16:creationId xmlns:a16="http://schemas.microsoft.com/office/drawing/2014/main" id="{503BE53D-56E9-48FF-A81D-6D74F99572FE}"/>
-                </a:ext>
-              </a:extLst>
-            </p:cNvPr>
+            <p:cNvPr id="10243" name="矩形 15"/>
             <p:cNvSpPr>
               <a:spLocks noChangeArrowheads="1"/>
             </p:cNvSpPr>
@@ -9142,13 +8581,7 @@
         </p:sp>
         <p:sp>
           <p:nvSpPr>
-            <p:cNvPr id="10244" name="矩形 16">
-              <a:extLst>
-                <a:ext uri="{FF2B5EF4-FFF2-40B4-BE49-F238E27FC236}">
-                  <a16:creationId xmlns:a16="http://schemas.microsoft.com/office/drawing/2014/main" id="{6CF0FC66-B1BD-4CF1-B694-3A44F4FDECDD}"/>
-                </a:ext>
-              </a:extLst>
-            </p:cNvPr>
+            <p:cNvPr id="10244" name="矩形 16"/>
             <p:cNvSpPr>
               <a:spLocks noChangeArrowheads="1"/>
             </p:cNvSpPr>
@@ -9309,13 +8742,7 @@
       </p:grpSp>
       <p:sp>
         <p:nvSpPr>
-          <p:cNvPr id="3076" name="文本框 1">
-            <a:extLst>
-              <a:ext uri="{FF2B5EF4-FFF2-40B4-BE49-F238E27FC236}">
-                <a16:creationId xmlns:a16="http://schemas.microsoft.com/office/drawing/2014/main" id="{F94825CF-0E96-4ED8-BBC7-0AE9FC4745BE}"/>
-              </a:ext>
-            </a:extLst>
-          </p:cNvPr>
+          <p:cNvPr id="3076" name="文本框 1"/>
           <p:cNvSpPr/>
           <p:nvPr/>
         </p:nvSpPr>
@@ -9357,6 +8784,13 @@
               </a:rPr>
               <a:t>Service</a:t>
             </a:r>
+            <a:endParaRPr lang="en-US" altLang="zh-CN" sz="2800" b="1" noProof="1">
+              <a:solidFill>
+                <a:srgbClr val="002060"/>
+              </a:solidFill>
+              <a:latin typeface="微软雅黑" panose="020B0503020204020204" pitchFamily="34" charset="-122"/>
+              <a:ea typeface="微软雅黑" panose="020B0503020204020204" pitchFamily="34" charset="-122"/>
+            </a:endParaRPr>
           </a:p>
           <a:p>
             <a:pPr marL="342900" indent="-342900">
@@ -9376,6 +8810,13 @@
               </a:rPr>
               <a:t>定义：服务，属于Android中的计算型组件</a:t>
             </a:r>
+            <a:endParaRPr altLang="zh-CN" sz="2000" noProof="1">
+              <a:solidFill>
+                <a:srgbClr val="000000"/>
+              </a:solidFill>
+              <a:latin typeface="微软雅黑" panose="020B0503020204020204" pitchFamily="34" charset="-122"/>
+              <a:ea typeface="微软雅黑" panose="020B0503020204020204" pitchFamily="34" charset="-122"/>
+            </a:endParaRPr>
           </a:p>
           <a:p>
             <a:pPr marL="342900" indent="-342900">
@@ -9395,6 +8836,13 @@
               </a:rPr>
               <a:t>作用：提供需要在后台长期运行的服务（如复杂计算、下载等等）</a:t>
             </a:r>
+            <a:endParaRPr altLang="zh-CN" sz="2000" noProof="1">
+              <a:solidFill>
+                <a:srgbClr val="000000"/>
+              </a:solidFill>
+              <a:latin typeface="微软雅黑" panose="020B0503020204020204" pitchFamily="34" charset="-122"/>
+              <a:ea typeface="微软雅黑" panose="020B0503020204020204" pitchFamily="34" charset="-122"/>
+            </a:endParaRPr>
           </a:p>
           <a:p>
             <a:pPr marL="342900" indent="-342900">
@@ -9414,6 +8862,13 @@
               </a:rPr>
               <a:t>特点：长生命周期、没有用户界面、在后台运行</a:t>
             </a:r>
+            <a:endParaRPr altLang="zh-CN" sz="2000" noProof="1">
+              <a:solidFill>
+                <a:srgbClr val="000000"/>
+              </a:solidFill>
+              <a:latin typeface="微软雅黑" panose="020B0503020204020204" pitchFamily="34" charset="-122"/>
+              <a:ea typeface="微软雅黑" panose="020B0503020204020204" pitchFamily="34" charset="-122"/>
+            </a:endParaRPr>
           </a:p>
           <a:p>
             <a:pPr indent="360680">
@@ -9462,16 +8917,8 @@
       </p:grpSpPr>
       <p:grpSp>
         <p:nvGrpSpPr>
-          <p:cNvPr id="11265" name="组合 14">
-            <a:extLst>
-              <a:ext uri="{FF2B5EF4-FFF2-40B4-BE49-F238E27FC236}">
-                <a16:creationId xmlns:a16="http://schemas.microsoft.com/office/drawing/2014/main" id="{C03CD9C9-CBC6-4FBB-BB60-21C7BFB4FC64}"/>
-              </a:ext>
-            </a:extLst>
-          </p:cNvPr>
-          <p:cNvGrpSpPr>
-            <a:grpSpLocks/>
-          </p:cNvGrpSpPr>
+          <p:cNvPr id="11265" name="组合 14"/>
+          <p:cNvGrpSpPr/>
           <p:nvPr/>
         </p:nvGrpSpPr>
         <p:grpSpPr bwMode="auto">
@@ -9484,13 +8931,7 @@
         </p:grpSpPr>
         <p:sp>
           <p:nvSpPr>
-            <p:cNvPr id="11266" name="矩形 15">
-              <a:extLst>
-                <a:ext uri="{FF2B5EF4-FFF2-40B4-BE49-F238E27FC236}">
-                  <a16:creationId xmlns:a16="http://schemas.microsoft.com/office/drawing/2014/main" id="{DF385BF8-02B1-4563-8017-5938B133C966}"/>
-                </a:ext>
-              </a:extLst>
-            </p:cNvPr>
+            <p:cNvPr id="11266" name="矩形 15"/>
             <p:cNvSpPr>
               <a:spLocks noChangeArrowheads="1"/>
             </p:cNvSpPr>
@@ -9650,13 +9091,7 @@
         </p:sp>
         <p:sp>
           <p:nvSpPr>
-            <p:cNvPr id="11267" name="矩形 16">
-              <a:extLst>
-                <a:ext uri="{FF2B5EF4-FFF2-40B4-BE49-F238E27FC236}">
-                  <a16:creationId xmlns:a16="http://schemas.microsoft.com/office/drawing/2014/main" id="{64257251-A9A0-49F2-B7ED-A27ACE618281}"/>
-                </a:ext>
-              </a:extLst>
-            </p:cNvPr>
+            <p:cNvPr id="11267" name="矩形 16"/>
             <p:cNvSpPr>
               <a:spLocks noChangeArrowheads="1"/>
             </p:cNvSpPr>
@@ -9817,13 +9252,7 @@
       </p:grpSp>
       <p:sp>
         <p:nvSpPr>
-          <p:cNvPr id="4099" name="TextBox 108">
-            <a:extLst>
-              <a:ext uri="{FF2B5EF4-FFF2-40B4-BE49-F238E27FC236}">
-                <a16:creationId xmlns:a16="http://schemas.microsoft.com/office/drawing/2014/main" id="{D4DE7A47-2649-47BF-ACE5-B142FCCD4074}"/>
-              </a:ext>
-            </a:extLst>
-          </p:cNvPr>
+          <p:cNvPr id="4099" name="TextBox 108"/>
           <p:cNvSpPr/>
           <p:nvPr/>
         </p:nvSpPr>
@@ -9881,13 +9310,7 @@
       </p:sp>
       <p:sp>
         <p:nvSpPr>
-          <p:cNvPr id="93190" name="文本框 1">
-            <a:extLst>
-              <a:ext uri="{FF2B5EF4-FFF2-40B4-BE49-F238E27FC236}">
-                <a16:creationId xmlns:a16="http://schemas.microsoft.com/office/drawing/2014/main" id="{23EC9DAC-FB44-43D4-94E8-FB81DFB80E15}"/>
-              </a:ext>
-            </a:extLst>
-          </p:cNvPr>
+          <p:cNvPr id="93190" name="文本框 1"/>
           <p:cNvSpPr>
             <a:spLocks noChangeArrowheads="1"/>
           </p:cNvSpPr>
@@ -9896,7 +9319,7 @@
         <p:spPr bwMode="auto">
           <a:xfrm>
             <a:off x="411163" y="877888"/>
-            <a:ext cx="8412162" cy="3673698"/>
+            <a:ext cx="8412162" cy="3710305"/>
           </a:xfrm>
           <a:prstGeom prst="rect">
             <a:avLst/>
@@ -9967,6 +9390,16 @@
               </a:rPr>
               <a:t>内部</a:t>
             </a:r>
+            <a:endParaRPr lang="zh-CN" altLang="zh-CN" sz="2400" dirty="0">
+              <a:solidFill>
+                <a:srgbClr val="002060"/>
+              </a:solidFill>
+              <a:highlight>
+                <a:srgbClr val="FFFF00"/>
+              </a:highlight>
+              <a:latin typeface="微软雅黑" panose="020B0503020204020204" pitchFamily="34" charset="-122"/>
+              <a:ea typeface="微软雅黑" panose="020B0503020204020204" pitchFamily="34" charset="-122"/>
+            </a:endParaRPr>
           </a:p>
           <a:p>
             <a:pPr indent="360680">
@@ -9985,6 +9418,13 @@
               </a:rPr>
               <a:t>实现应用程序自己的一些耗时任务</a:t>
             </a:r>
+            <a:endParaRPr lang="zh-CN" altLang="zh-CN" sz="1400" dirty="0">
+              <a:solidFill>
+                <a:srgbClr val="000000"/>
+              </a:solidFill>
+              <a:latin typeface="微软雅黑" panose="020B0503020204020204" pitchFamily="34" charset="-122"/>
+              <a:ea typeface="微软雅黑" panose="020B0503020204020204" pitchFamily="34" charset="-122"/>
+            </a:endParaRPr>
           </a:p>
           <a:p>
             <a:pPr marL="742950" lvl="1" indent="-285750">
@@ -10005,6 +9445,13 @@
               </a:rPr>
               <a:t>网络传输</a:t>
             </a:r>
+            <a:endParaRPr lang="zh-CN" altLang="zh-CN" sz="1400" dirty="0">
+              <a:solidFill>
+                <a:srgbClr val="000000"/>
+              </a:solidFill>
+              <a:latin typeface="微软雅黑" panose="020B0503020204020204" pitchFamily="34" charset="-122"/>
+              <a:ea typeface="微软雅黑" panose="020B0503020204020204" pitchFamily="34" charset="-122"/>
+            </a:endParaRPr>
           </a:p>
           <a:p>
             <a:pPr marL="742950" lvl="1" indent="-285750">
@@ -10025,6 +9472,13 @@
               </a:rPr>
               <a:t>播放音乐</a:t>
             </a:r>
+            <a:endParaRPr lang="zh-CN" altLang="zh-CN" sz="1400" dirty="0">
+              <a:solidFill>
+                <a:srgbClr val="000000"/>
+              </a:solidFill>
+              <a:latin typeface="微软雅黑" panose="020B0503020204020204" pitchFamily="34" charset="-122"/>
+              <a:ea typeface="微软雅黑" panose="020B0503020204020204" pitchFamily="34" charset="-122"/>
+            </a:endParaRPr>
           </a:p>
           <a:p>
             <a:pPr marL="742950" lvl="1" indent="-285750">
@@ -10106,7 +9560,7 @@
                 <a:ea typeface="微软雅黑" panose="020B0503020204020204" pitchFamily="34" charset="-122"/>
                 <a:sym typeface="+mn-ea"/>
               </a:rPr>
-              <a:t>可以通过自己定义并暴露出来的接口进行程序操作，也可以调用其他程序的地图、天气等服务。</a:t>
+              <a:t>通过自定义并暴露出来的接口进行程序操作，也可调用其他程序的地图、天气等服务。</a:t>
             </a:r>
             <a:endParaRPr lang="zh-CN" altLang="zh-CN" sz="1400" dirty="0">
               <a:solidFill>
@@ -10221,13 +9675,7 @@
       </p:grpSpPr>
       <p:sp>
         <p:nvSpPr>
-          <p:cNvPr id="2" name="标题 1">
-            <a:extLst>
-              <a:ext uri="{FF2B5EF4-FFF2-40B4-BE49-F238E27FC236}">
-                <a16:creationId xmlns:a16="http://schemas.microsoft.com/office/drawing/2014/main" id="{EED530FD-2FB6-41F3-967A-F42F81D2BA44}"/>
-              </a:ext>
-            </a:extLst>
-          </p:cNvPr>
+          <p:cNvPr id="2" name="标题 1"/>
           <p:cNvSpPr>
             <a:spLocks noGrp="1"/>
           </p:cNvSpPr>
@@ -10257,18 +9705,17 @@
               </a:rPr>
               <a:t>两种启动方式</a:t>
             </a:r>
+            <a:endParaRPr lang="zh-CN" altLang="en-US" dirty="0">
+              <a:latin typeface="微软雅黑" panose="020B0503020204020204" pitchFamily="34" charset="-122"/>
+              <a:ea typeface="微软雅黑" panose="020B0503020204020204" pitchFamily="34" charset="-122"/>
+              <a:sym typeface="微软雅黑" panose="020B0503020204020204" pitchFamily="34" charset="-122"/>
+            </a:endParaRPr>
           </a:p>
         </p:txBody>
       </p:sp>
       <p:sp>
         <p:nvSpPr>
-          <p:cNvPr id="12290" name="文本框 3">
-            <a:extLst>
-              <a:ext uri="{FF2B5EF4-FFF2-40B4-BE49-F238E27FC236}">
-                <a16:creationId xmlns:a16="http://schemas.microsoft.com/office/drawing/2014/main" id="{D59E1046-E2E5-4E3B-B17E-ECE67252F1CE}"/>
-              </a:ext>
-            </a:extLst>
-          </p:cNvPr>
+          <p:cNvPr id="12290" name="文本框 3"/>
           <p:cNvSpPr txBox="1">
             <a:spLocks noChangeArrowheads="1"/>
           </p:cNvSpPr>
@@ -10276,8 +9723,8 @@
         </p:nvSpPr>
         <p:spPr bwMode="auto">
           <a:xfrm>
-            <a:off x="764169" y="1133279"/>
-            <a:ext cx="7560525" cy="2876941"/>
+            <a:off x="1336675" y="1133475"/>
+            <a:ext cx="6800850" cy="2896870"/>
           </a:xfrm>
           <a:prstGeom prst="rect">
             <a:avLst/>
@@ -10783,6 +10230,14 @@
               </a:rPr>
               <a:t>bind</a:t>
             </a:r>
+            <a:endParaRPr lang="en-US" altLang="zh-CN" sz="2000" b="1" dirty="0">
+              <a:solidFill>
+                <a:srgbClr val="00B050"/>
+              </a:solidFill>
+              <a:latin typeface="微软雅黑" panose="020B0503020204020204" pitchFamily="34" charset="-122"/>
+              <a:ea typeface="微软雅黑" panose="020B0503020204020204" pitchFamily="34" charset="-122"/>
+              <a:sym typeface="微软雅黑" panose="020B0503020204020204" pitchFamily="34" charset="-122"/>
+            </a:endParaRPr>
           </a:p>
           <a:p>
             <a:pPr>
@@ -11089,16 +10544,8 @@
       </p:grpSpPr>
       <p:grpSp>
         <p:nvGrpSpPr>
-          <p:cNvPr id="13313" name="组合 14">
-            <a:extLst>
-              <a:ext uri="{FF2B5EF4-FFF2-40B4-BE49-F238E27FC236}">
-                <a16:creationId xmlns:a16="http://schemas.microsoft.com/office/drawing/2014/main" id="{836B5E8C-0F75-4AEB-BC52-F76058DF2883}"/>
-              </a:ext>
-            </a:extLst>
-          </p:cNvPr>
-          <p:cNvGrpSpPr>
-            <a:grpSpLocks/>
-          </p:cNvGrpSpPr>
+          <p:cNvPr id="13313" name="组合 14"/>
+          <p:cNvGrpSpPr/>
           <p:nvPr/>
         </p:nvGrpSpPr>
         <p:grpSpPr bwMode="auto">
@@ -11111,13 +10558,7 @@
         </p:grpSpPr>
         <p:sp>
           <p:nvSpPr>
-            <p:cNvPr id="13314" name="矩形 15">
-              <a:extLst>
-                <a:ext uri="{FF2B5EF4-FFF2-40B4-BE49-F238E27FC236}">
-                  <a16:creationId xmlns:a16="http://schemas.microsoft.com/office/drawing/2014/main" id="{88C94CC8-1C02-42F1-84B9-DA1E62221634}"/>
-                </a:ext>
-              </a:extLst>
-            </p:cNvPr>
+            <p:cNvPr id="13314" name="矩形 15"/>
             <p:cNvSpPr>
               <a:spLocks noChangeArrowheads="1"/>
             </p:cNvSpPr>
@@ -11277,13 +10718,7 @@
         </p:sp>
         <p:sp>
           <p:nvSpPr>
-            <p:cNvPr id="13315" name="矩形 16">
-              <a:extLst>
-                <a:ext uri="{FF2B5EF4-FFF2-40B4-BE49-F238E27FC236}">
-                  <a16:creationId xmlns:a16="http://schemas.microsoft.com/office/drawing/2014/main" id="{87B17F69-74EE-41B8-98AF-CE9AB7BFC414}"/>
-                </a:ext>
-              </a:extLst>
-            </p:cNvPr>
+            <p:cNvPr id="13315" name="矩形 16"/>
             <p:cNvSpPr>
               <a:spLocks noChangeArrowheads="1"/>
             </p:cNvSpPr>
@@ -11444,13 +10879,7 @@
       </p:grpSp>
       <p:sp>
         <p:nvSpPr>
-          <p:cNvPr id="13316" name="TextBox 108">
-            <a:extLst>
-              <a:ext uri="{FF2B5EF4-FFF2-40B4-BE49-F238E27FC236}">
-                <a16:creationId xmlns:a16="http://schemas.microsoft.com/office/drawing/2014/main" id="{C5BC1E73-AD69-435C-A575-82AED8D33EF4}"/>
-              </a:ext>
-            </a:extLst>
-          </p:cNvPr>
+          <p:cNvPr id="13316" name="TextBox 108"/>
           <p:cNvSpPr>
             <a:spLocks noChangeArrowheads="1"/>
           </p:cNvSpPr>
@@ -11626,25 +11055,27 @@
               </a:rPr>
               <a:t>生命周期</a:t>
             </a:r>
+            <a:endParaRPr lang="zh-CN" altLang="en-US" b="1">
+              <a:solidFill>
+                <a:schemeClr val="bg1"/>
+              </a:solidFill>
+              <a:latin typeface="微软雅黑" panose="020B0503020204020204" pitchFamily="34" charset="-122"/>
+              <a:ea typeface="微软雅黑" panose="020B0503020204020204" pitchFamily="34" charset="-122"/>
+              <a:sym typeface="微软雅黑" panose="020B0503020204020204" pitchFamily="34" charset="-122"/>
+            </a:endParaRPr>
           </a:p>
         </p:txBody>
       </p:sp>
       <p:pic>
         <p:nvPicPr>
-          <p:cNvPr id="13317" name="图片 3" descr="20160517165100319">
-            <a:extLst>
-              <a:ext uri="{FF2B5EF4-FFF2-40B4-BE49-F238E27FC236}">
-                <a16:creationId xmlns:a16="http://schemas.microsoft.com/office/drawing/2014/main" id="{E3F48359-ACE1-4968-A769-6C8B47A6422A}"/>
-              </a:ext>
-            </a:extLst>
-          </p:cNvPr>
+          <p:cNvPr id="13317" name="图片 3" descr="20160517165100319"/>
           <p:cNvPicPr>
             <a:picLocks noChangeAspect="1" noChangeArrowheads="1"/>
           </p:cNvPicPr>
           <p:nvPr/>
         </p:nvPicPr>
         <p:blipFill>
-          <a:blip r:embed="rId3">
+          <a:blip r:embed="rId1">
             <a:extLst>
               <a:ext uri="{28A0092B-C50C-407E-A947-70E740481C1C}">
                 <a14:useLocalDpi xmlns:a14="http://schemas.microsoft.com/office/drawing/2010/main" val="0"/>
@@ -11691,7 +11122,7 @@
       </p:pic>
     </p:spTree>
     <p:custDataLst>
-      <p:tags r:id="rId1"/>
+      <p:tags r:id="rId2"/>
     </p:custDataLst>
   </p:cSld>
   <p:clrMapOvr>
@@ -11719,16 +11150,8 @@
       </p:grpSpPr>
       <p:grpSp>
         <p:nvGrpSpPr>
-          <p:cNvPr id="14337" name="组合 14">
-            <a:extLst>
-              <a:ext uri="{FF2B5EF4-FFF2-40B4-BE49-F238E27FC236}">
-                <a16:creationId xmlns:a16="http://schemas.microsoft.com/office/drawing/2014/main" id="{5BA1DFD9-6345-4DA7-868C-7B286B5D6CA7}"/>
-              </a:ext>
-            </a:extLst>
-          </p:cNvPr>
-          <p:cNvGrpSpPr>
-            <a:grpSpLocks/>
-          </p:cNvGrpSpPr>
+          <p:cNvPr id="14337" name="组合 14"/>
+          <p:cNvGrpSpPr/>
           <p:nvPr/>
         </p:nvGrpSpPr>
         <p:grpSpPr bwMode="auto">
@@ -11741,13 +11164,7 @@
         </p:grpSpPr>
         <p:sp>
           <p:nvSpPr>
-            <p:cNvPr id="14338" name="矩形 15">
-              <a:extLst>
-                <a:ext uri="{FF2B5EF4-FFF2-40B4-BE49-F238E27FC236}">
-                  <a16:creationId xmlns:a16="http://schemas.microsoft.com/office/drawing/2014/main" id="{5E393EAD-C74E-4A94-898E-501289F13270}"/>
-                </a:ext>
-              </a:extLst>
-            </p:cNvPr>
+            <p:cNvPr id="14338" name="矩形 15"/>
             <p:cNvSpPr>
               <a:spLocks noChangeArrowheads="1"/>
             </p:cNvSpPr>
@@ -11907,13 +11324,7 @@
         </p:sp>
         <p:sp>
           <p:nvSpPr>
-            <p:cNvPr id="14339" name="矩形 16">
-              <a:extLst>
-                <a:ext uri="{FF2B5EF4-FFF2-40B4-BE49-F238E27FC236}">
-                  <a16:creationId xmlns:a16="http://schemas.microsoft.com/office/drawing/2014/main" id="{40149910-B296-4613-9AA5-536CB6B705F8}"/>
-                </a:ext>
-              </a:extLst>
-            </p:cNvPr>
+            <p:cNvPr id="14339" name="矩形 16"/>
             <p:cNvSpPr>
               <a:spLocks noChangeArrowheads="1"/>
             </p:cNvSpPr>
@@ -12074,13 +11485,7 @@
       </p:grpSp>
       <p:sp>
         <p:nvSpPr>
-          <p:cNvPr id="14340" name="TextBox 108">
-            <a:extLst>
-              <a:ext uri="{FF2B5EF4-FFF2-40B4-BE49-F238E27FC236}">
-                <a16:creationId xmlns:a16="http://schemas.microsoft.com/office/drawing/2014/main" id="{4AFAB5F4-5369-4A59-92DF-648E37195F0E}"/>
-              </a:ext>
-            </a:extLst>
-          </p:cNvPr>
+          <p:cNvPr id="14340" name="TextBox 108"/>
           <p:cNvSpPr>
             <a:spLocks noChangeArrowheads="1"/>
           </p:cNvSpPr>
@@ -12256,18 +11661,20 @@
               </a:rPr>
               <a:t>服务的基本用法</a:t>
             </a:r>
+            <a:endParaRPr lang="zh-CN" altLang="en-US" b="1">
+              <a:solidFill>
+                <a:schemeClr val="bg1"/>
+              </a:solidFill>
+              <a:latin typeface="微软雅黑" panose="020B0503020204020204" pitchFamily="34" charset="-122"/>
+              <a:ea typeface="微软雅黑" panose="020B0503020204020204" pitchFamily="34" charset="-122"/>
+              <a:sym typeface="微软雅黑" panose="020B0503020204020204" pitchFamily="34" charset="-122"/>
+            </a:endParaRPr>
           </a:p>
         </p:txBody>
       </p:sp>
       <p:sp>
         <p:nvSpPr>
-          <p:cNvPr id="14341" name="文本框 1">
-            <a:extLst>
-              <a:ext uri="{FF2B5EF4-FFF2-40B4-BE49-F238E27FC236}">
-                <a16:creationId xmlns:a16="http://schemas.microsoft.com/office/drawing/2014/main" id="{F5BCB1FD-38E2-41B5-B63C-C45A23B3930C}"/>
-              </a:ext>
-            </a:extLst>
-          </p:cNvPr>
+          <p:cNvPr id="14341" name="文本框 1"/>
           <p:cNvSpPr txBox="1">
             <a:spLocks noChangeArrowheads="1"/>
           </p:cNvSpPr>
@@ -12276,7 +11683,7 @@
         <p:spPr bwMode="auto">
           <a:xfrm>
             <a:off x="827740" y="1347665"/>
-            <a:ext cx="4424140" cy="1477328"/>
+            <a:ext cx="4424140" cy="1476375"/>
           </a:xfrm>
           <a:prstGeom prst="rect">
             <a:avLst/>
@@ -12412,8 +11819,9 @@
             </a:r>
             <a:r>
               <a:rPr lang="zh-CN" altLang="en-US" dirty="0"/>
-              <a:t>定义一个服务</a:t>
-            </a:r>
+              <a:t>定义服务</a:t>
+            </a:r>
+            <a:endParaRPr lang="zh-CN" altLang="en-US" dirty="0"/>
           </a:p>
           <a:p>
             <a:endParaRPr lang="zh-CN" altLang="en-US" dirty="0"/>
@@ -12427,6 +11835,7 @@
               <a:rPr lang="zh-CN" altLang="en-US" dirty="0"/>
               <a:t>启动和停止服务</a:t>
             </a:r>
+            <a:endParaRPr lang="zh-CN" altLang="en-US" dirty="0"/>
           </a:p>
           <a:p>
             <a:endParaRPr lang="zh-CN" altLang="en-US" dirty="0"/>
@@ -12440,18 +11849,13 @@
               <a:rPr lang="zh-CN" altLang="en-US" dirty="0"/>
               <a:t>活动和服务进行通信</a:t>
             </a:r>
+            <a:endParaRPr lang="zh-CN" altLang="en-US" dirty="0"/>
           </a:p>
         </p:txBody>
       </p:sp>
       <p:sp>
         <p:nvSpPr>
-          <p:cNvPr id="14342" name="文本框 2">
-            <a:extLst>
-              <a:ext uri="{FF2B5EF4-FFF2-40B4-BE49-F238E27FC236}">
-                <a16:creationId xmlns:a16="http://schemas.microsoft.com/office/drawing/2014/main" id="{2C4E71DE-9248-4CA5-9B1E-2F18359CF4E3}"/>
-              </a:ext>
-            </a:extLst>
-          </p:cNvPr>
+          <p:cNvPr id="14342" name="文本框 2"/>
           <p:cNvSpPr txBox="1">
             <a:spLocks noChangeArrowheads="1"/>
           </p:cNvSpPr>
@@ -12621,6 +12025,11 @@
               </a:rPr>
               <a:t>P349</a:t>
             </a:r>
+            <a:endParaRPr lang="en-US" altLang="zh-CN" sz="1000" b="1">
+              <a:solidFill>
+                <a:srgbClr val="0070C0"/>
+              </a:solidFill>
+            </a:endParaRPr>
           </a:p>
         </p:txBody>
       </p:sp>
@@ -12654,13 +12063,7 @@
       </p:grpSpPr>
       <p:sp>
         <p:nvSpPr>
-          <p:cNvPr id="15361" name="标题 1">
-            <a:extLst>
-              <a:ext uri="{FF2B5EF4-FFF2-40B4-BE49-F238E27FC236}">
-                <a16:creationId xmlns:a16="http://schemas.microsoft.com/office/drawing/2014/main" id="{B2614867-80E2-4215-A60B-A436FD9017DE}"/>
-              </a:ext>
-            </a:extLst>
-          </p:cNvPr>
+          <p:cNvPr id="15361" name="标题 1"/>
           <p:cNvSpPr>
             <a:spLocks noGrp="1" noChangeArrowheads="1"/>
           </p:cNvSpPr>
@@ -12681,18 +12084,13 @@
               <a:rPr lang="zh-CN" altLang="en-US"/>
               <a:t>定义一个服务</a:t>
             </a:r>
+            <a:endParaRPr lang="zh-CN" altLang="en-US"/>
           </a:p>
         </p:txBody>
       </p:sp>
       <p:pic>
         <p:nvPicPr>
-          <p:cNvPr id="15362" name="内容占位符 3" descr="TIM截图20171016214913">
-            <a:extLst>
-              <a:ext uri="{FF2B5EF4-FFF2-40B4-BE49-F238E27FC236}">
-                <a16:creationId xmlns:a16="http://schemas.microsoft.com/office/drawing/2014/main" id="{60B69E9F-E918-4502-9C04-F5B8466E44D5}"/>
-              </a:ext>
-            </a:extLst>
-          </p:cNvPr>
+          <p:cNvPr id="15362" name="内容占位符 3" descr="TIM截图20171016214913"/>
           <p:cNvPicPr>
             <a:picLocks noGrp="1" noChangeAspect="1" noChangeArrowheads="1"/>
           </p:cNvPicPr>
@@ -12701,7 +12099,7 @@
           </p:nvPr>
         </p:nvPicPr>
         <p:blipFill>
-          <a:blip r:embed="rId3">
+          <a:blip r:embed="rId1">
             <a:extLst>
               <a:ext uri="{28A0092B-C50C-407E-A947-70E740481C1C}">
                 <a14:useLocalDpi xmlns:a14="http://schemas.microsoft.com/office/drawing/2010/main" val="0"/>
@@ -12742,7 +12140,7 @@
       </p:pic>
     </p:spTree>
     <p:custDataLst>
-      <p:tags r:id="rId1"/>
+      <p:tags r:id="rId2"/>
     </p:custDataLst>
   </p:cSld>
   <p:clrMapOvr>
@@ -12770,13 +12168,7 @@
       </p:grpSpPr>
       <p:sp>
         <p:nvSpPr>
-          <p:cNvPr id="16385" name="标题 1">
-            <a:extLst>
-              <a:ext uri="{FF2B5EF4-FFF2-40B4-BE49-F238E27FC236}">
-                <a16:creationId xmlns:a16="http://schemas.microsoft.com/office/drawing/2014/main" id="{A41F5AA1-90A5-40B8-9E8C-A7FF2D085EC0}"/>
-              </a:ext>
-            </a:extLst>
-          </p:cNvPr>
+          <p:cNvPr id="16385" name="标题 1"/>
           <p:cNvSpPr>
             <a:spLocks noGrp="1" noChangeArrowheads="1"/>
           </p:cNvSpPr>
@@ -12801,18 +12193,13 @@
               <a:rPr lang="en-US" altLang="zh-CN"/>
               <a:t>start</a:t>
             </a:r>
+            <a:endParaRPr lang="en-US" altLang="zh-CN"/>
           </a:p>
         </p:txBody>
       </p:sp>
       <p:sp>
         <p:nvSpPr>
-          <p:cNvPr id="16386" name="内容占位符 2">
-            <a:extLst>
-              <a:ext uri="{FF2B5EF4-FFF2-40B4-BE49-F238E27FC236}">
-                <a16:creationId xmlns:a16="http://schemas.microsoft.com/office/drawing/2014/main" id="{C730DB54-D324-4F5B-85B3-A86D384414D8}"/>
-              </a:ext>
-            </a:extLst>
-          </p:cNvPr>
+          <p:cNvPr id="16386" name="内容占位符 2"/>
           <p:cNvSpPr>
             <a:spLocks noGrp="1" noChangeArrowheads="1"/>
           </p:cNvSpPr>
@@ -12847,11 +12234,7 @@
           </a:extLst>
         </p:spPr>
         <p:txBody>
-          <a:bodyPr wrap="square" numCol="1" anchor="t" anchorCtr="0" compatLnSpc="1">
-            <a:prstTxWarp prst="textNoShape">
-              <a:avLst/>
-            </a:prstTxWarp>
-          </a:bodyPr>
+          <a:bodyPr wrap="square" numCol="1" anchor="t" anchorCtr="0" compatLnSpc="1"/>
           <a:lstStyle/>
           <a:p>
             <a:pPr marL="0" indent="0">
@@ -12866,6 +12249,7 @@
               <a:rPr lang="zh-CN" altLang="en-US" sz="1000" b="1" dirty="0"/>
               <a:t>模拟器进入开发者选项：</a:t>
             </a:r>
+            <a:endParaRPr lang="zh-CN" altLang="en-US" sz="1000" b="1" dirty="0"/>
           </a:p>
           <a:p>
             <a:pPr marL="0" indent="0">
@@ -12876,6 +12260,7 @@
               <a:rPr lang="zh-CN" altLang="en-US" sz="1000" b="1" dirty="0"/>
               <a:t>“Settings”—“About”（设置——关于）菜单 </a:t>
             </a:r>
+            <a:endParaRPr lang="zh-CN" altLang="en-US" sz="1000" b="1" dirty="0"/>
           </a:p>
           <a:p>
             <a:pPr marL="0" indent="0">
@@ -12886,6 +12271,7 @@
               <a:rPr lang="zh-CN" altLang="en-US" sz="1000" b="1" dirty="0"/>
               <a:t>向下滚动到底部的Build number（版本号） </a:t>
             </a:r>
+            <a:endParaRPr lang="zh-CN" altLang="en-US" sz="1000" b="1" dirty="0"/>
           </a:p>
           <a:p>
             <a:pPr marL="0" indent="0">
@@ -12896,6 +12282,7 @@
               <a:rPr lang="zh-CN" altLang="en-US" sz="1000" b="1" dirty="0"/>
               <a:t>点击Build number（版本号）7次 </a:t>
             </a:r>
+            <a:endParaRPr lang="zh-CN" altLang="en-US" sz="1000" b="1" dirty="0"/>
           </a:p>
           <a:p>
             <a:pPr marL="0" indent="0">
@@ -12908,20 +12295,14 @@
       </p:sp>
       <p:pic>
         <p:nvPicPr>
-          <p:cNvPr id="16387" name="图片 3" descr="TIM截图20171016220651">
-            <a:extLst>
-              <a:ext uri="{FF2B5EF4-FFF2-40B4-BE49-F238E27FC236}">
-                <a16:creationId xmlns:a16="http://schemas.microsoft.com/office/drawing/2014/main" id="{6EA09424-3835-42FD-B488-C2496D06342C}"/>
-              </a:ext>
-            </a:extLst>
-          </p:cNvPr>
+          <p:cNvPr id="16387" name="图片 3" descr="TIM截图20171016220651"/>
           <p:cNvPicPr>
             <a:picLocks noChangeAspect="1" noChangeArrowheads="1"/>
           </p:cNvPicPr>
           <p:nvPr/>
         </p:nvPicPr>
         <p:blipFill>
-          <a:blip r:embed="rId3">
+          <a:blip r:embed="rId1">
             <a:extLst>
               <a:ext uri="{28A0092B-C50C-407E-A947-70E740481C1C}">
                 <a14:useLocalDpi xmlns:a14="http://schemas.microsoft.com/office/drawing/2010/main" val="0"/>
@@ -12968,20 +12349,14 @@
       </p:pic>
       <p:pic>
         <p:nvPicPr>
-          <p:cNvPr id="16388" name="图片 5" descr="TIM截图20171016222117">
-            <a:extLst>
-              <a:ext uri="{FF2B5EF4-FFF2-40B4-BE49-F238E27FC236}">
-                <a16:creationId xmlns:a16="http://schemas.microsoft.com/office/drawing/2014/main" id="{61267A5A-990A-4EB2-A960-60C8A7B6D33A}"/>
-              </a:ext>
-            </a:extLst>
-          </p:cNvPr>
+          <p:cNvPr id="16388" name="图片 5" descr="TIM截图20171016222117"/>
           <p:cNvPicPr>
             <a:picLocks noChangeAspect="1" noChangeArrowheads="1"/>
           </p:cNvPicPr>
           <p:nvPr/>
         </p:nvPicPr>
         <p:blipFill>
-          <a:blip r:embed="rId4">
+          <a:blip r:embed="rId2">
             <a:extLst>
               <a:ext uri="{28A0092B-C50C-407E-A947-70E740481C1C}">
                 <a14:useLocalDpi xmlns:a14="http://schemas.microsoft.com/office/drawing/2010/main" val="0"/>
@@ -13028,20 +12403,14 @@
       </p:pic>
       <p:pic>
         <p:nvPicPr>
-          <p:cNvPr id="16389" name="图片 6" descr="TIM截图20171016222544">
-            <a:extLst>
-              <a:ext uri="{FF2B5EF4-FFF2-40B4-BE49-F238E27FC236}">
-                <a16:creationId xmlns:a16="http://schemas.microsoft.com/office/drawing/2014/main" id="{47C9A437-5989-406D-B5F5-3A5932D81B6D}"/>
-              </a:ext>
-            </a:extLst>
-          </p:cNvPr>
+          <p:cNvPr id="16389" name="图片 6" descr="TIM截图20171016222544"/>
           <p:cNvPicPr>
             <a:picLocks noChangeAspect="1" noChangeArrowheads="1"/>
           </p:cNvPicPr>
           <p:nvPr/>
         </p:nvPicPr>
         <p:blipFill>
-          <a:blip r:embed="rId5">
+          <a:blip r:embed="rId3">
             <a:extLst>
               <a:ext uri="{28A0092B-C50C-407E-A947-70E740481C1C}">
                 <a14:useLocalDpi xmlns:a14="http://schemas.microsoft.com/office/drawing/2010/main" val="0"/>
@@ -13088,13 +12457,7 @@
       </p:pic>
       <p:sp>
         <p:nvSpPr>
-          <p:cNvPr id="16390" name="文本框 7">
-            <a:extLst>
-              <a:ext uri="{FF2B5EF4-FFF2-40B4-BE49-F238E27FC236}">
-                <a16:creationId xmlns:a16="http://schemas.microsoft.com/office/drawing/2014/main" id="{891414A4-0C89-443C-B6D5-74A17D2543C5}"/>
-              </a:ext>
-            </a:extLst>
-          </p:cNvPr>
+          <p:cNvPr id="16390" name="文本框 7"/>
           <p:cNvSpPr txBox="1">
             <a:spLocks noChangeArrowheads="1"/>
           </p:cNvSpPr>
@@ -13272,18 +12635,17 @@
               </a:rPr>
               <a:t>中观察服务状态：</a:t>
             </a:r>
+            <a:endParaRPr lang="zh-CN" altLang="en-US" b="1">
+              <a:solidFill>
+                <a:srgbClr val="00B050"/>
+              </a:solidFill>
+            </a:endParaRPr>
           </a:p>
         </p:txBody>
       </p:sp>
       <p:sp>
         <p:nvSpPr>
-          <p:cNvPr id="16391" name="文本框 8">
-            <a:extLst>
-              <a:ext uri="{FF2B5EF4-FFF2-40B4-BE49-F238E27FC236}">
-                <a16:creationId xmlns:a16="http://schemas.microsoft.com/office/drawing/2014/main" id="{671B30DE-D4C6-46D6-9C59-327E1DD91CDE}"/>
-              </a:ext>
-            </a:extLst>
-          </p:cNvPr>
+          <p:cNvPr id="16391" name="文本框 8"/>
           <p:cNvSpPr txBox="1">
             <a:spLocks noChangeArrowheads="1"/>
           </p:cNvSpPr>
@@ -13451,13 +12813,7 @@
       </p:sp>
       <p:sp>
         <p:nvSpPr>
-          <p:cNvPr id="16392" name="文本框 9">
-            <a:extLst>
-              <a:ext uri="{FF2B5EF4-FFF2-40B4-BE49-F238E27FC236}">
-                <a16:creationId xmlns:a16="http://schemas.microsoft.com/office/drawing/2014/main" id="{D70B6CFB-8D80-4EA4-9083-CA5D7E0FEC49}"/>
-              </a:ext>
-            </a:extLst>
-          </p:cNvPr>
+          <p:cNvPr id="16392" name="文本框 9"/>
           <p:cNvSpPr txBox="1">
             <a:spLocks noChangeArrowheads="1"/>
           </p:cNvSpPr>
@@ -13615,12 +12971,13 @@
               <a:rPr lang="en-US" altLang="zh-CN" sz="1200"/>
               <a:t>Setting-Developer-Running Services</a:t>
             </a:r>
+            <a:endParaRPr lang="en-US" altLang="zh-CN" sz="1200"/>
           </a:p>
         </p:txBody>
       </p:sp>
     </p:spTree>
     <p:custDataLst>
-      <p:tags r:id="rId1"/>
+      <p:tags r:id="rId4"/>
     </p:custDataLst>
   </p:cSld>
   <p:clrMapOvr>
@@ -13648,13 +13005,7 @@
       </p:grpSpPr>
       <p:sp>
         <p:nvSpPr>
-          <p:cNvPr id="17409" name="标题 1">
-            <a:extLst>
-              <a:ext uri="{FF2B5EF4-FFF2-40B4-BE49-F238E27FC236}">
-                <a16:creationId xmlns:a16="http://schemas.microsoft.com/office/drawing/2014/main" id="{44CFC0E1-B919-4C6A-B472-58C3BE3EFAF2}"/>
-              </a:ext>
-            </a:extLst>
-          </p:cNvPr>
+          <p:cNvPr id="17409" name="标题 1"/>
           <p:cNvSpPr>
             <a:spLocks noGrp="1" noChangeArrowheads="1"/>
           </p:cNvSpPr>
@@ -13679,18 +13030,13 @@
               <a:rPr lang="en-US" altLang="zh-CN"/>
               <a:t>bind</a:t>
             </a:r>
+            <a:endParaRPr lang="en-US" altLang="zh-CN"/>
           </a:p>
         </p:txBody>
       </p:sp>
       <p:pic>
         <p:nvPicPr>
-          <p:cNvPr id="17410" name="内容占位符 3" descr="TIM截图20171016225727">
-            <a:extLst>
-              <a:ext uri="{FF2B5EF4-FFF2-40B4-BE49-F238E27FC236}">
-                <a16:creationId xmlns:a16="http://schemas.microsoft.com/office/drawing/2014/main" id="{FC9A99DD-DC91-46AF-B9B5-8ECAF616B517}"/>
-              </a:ext>
-            </a:extLst>
-          </p:cNvPr>
+          <p:cNvPr id="17410" name="内容占位符 3" descr="TIM截图20171016225727"/>
           <p:cNvPicPr>
             <a:picLocks noGrp="1" noChangeAspect="1" noChangeArrowheads="1"/>
           </p:cNvPicPr>
@@ -13699,7 +13045,7 @@
           </p:nvPr>
         </p:nvPicPr>
         <p:blipFill>
-          <a:blip r:embed="rId3">
+          <a:blip r:embed="rId1">
             <a:extLst>
               <a:ext uri="{28A0092B-C50C-407E-A947-70E740481C1C}">
                 <a14:useLocalDpi xmlns:a14="http://schemas.microsoft.com/office/drawing/2010/main" val="0"/>
@@ -13740,20 +13086,14 @@
       </p:pic>
       <p:pic>
         <p:nvPicPr>
-          <p:cNvPr id="17411" name="图片 4" descr="TIM截图20171016225734">
-            <a:extLst>
-              <a:ext uri="{FF2B5EF4-FFF2-40B4-BE49-F238E27FC236}">
-                <a16:creationId xmlns:a16="http://schemas.microsoft.com/office/drawing/2014/main" id="{6D78AA87-D330-435A-AE03-337D26B0EB8A}"/>
-              </a:ext>
-            </a:extLst>
-          </p:cNvPr>
+          <p:cNvPr id="17411" name="图片 4" descr="TIM截图20171016225734"/>
           <p:cNvPicPr>
             <a:picLocks noChangeAspect="1" noChangeArrowheads="1"/>
           </p:cNvPicPr>
           <p:nvPr/>
         </p:nvPicPr>
         <p:blipFill>
-          <a:blip r:embed="rId4">
+          <a:blip r:embed="rId2">
             <a:extLst>
               <a:ext uri="{28A0092B-C50C-407E-A947-70E740481C1C}">
                 <a14:useLocalDpi xmlns:a14="http://schemas.microsoft.com/office/drawing/2010/main" val="0"/>
@@ -13800,7 +13140,7 @@
       </p:pic>
     </p:spTree>
     <p:custDataLst>
-      <p:tags r:id="rId1"/>
+      <p:tags r:id="rId3"/>
     </p:custDataLst>
   </p:cSld>
   <p:clrMapOvr>
@@ -13810,76 +13150,7 @@
 </file>
 
 <file path=ppt/tags/tag1.xml><?xml version="1.0" encoding="utf-8"?>
-<p:tagLst xmlns:a="http://schemas.openxmlformats.org/drawingml/2006/main" xmlns:r="http://schemas.openxmlformats.org/officeDocument/2006/relationships" xmlns:p="http://schemas.openxmlformats.org/presentationml/2006/main">
-  <p:tag name="KSO_WM_TAG_VERSION" val="1.0"/>
-  <p:tag name="KSO_WM_TEMPLATE_CATEGORY" val="custom"/>
-  <p:tag name="KSO_WM_TEMPLATE_INDEX" val="160404"/>
-</p:tagLst>
-</file>
-
-<file path=ppt/tags/tag10.xml><?xml version="1.0" encoding="utf-8"?>
-<p:tagLst xmlns:a="http://schemas.openxmlformats.org/drawingml/2006/main" xmlns:r="http://schemas.openxmlformats.org/officeDocument/2006/relationships" xmlns:p="http://schemas.openxmlformats.org/presentationml/2006/main">
-  <p:tag name="KSO_WM_TEMPLATE_CATEGORY" val="custom"/>
-  <p:tag name="KSO_WM_TEMPLATE_INDEX" val="160404"/>
-</p:tagLst>
-</file>
-
-<file path=ppt/tags/tag11.xml><?xml version="1.0" encoding="utf-8"?>
-<p:tagLst xmlns:a="http://schemas.openxmlformats.org/drawingml/2006/main" xmlns:r="http://schemas.openxmlformats.org/officeDocument/2006/relationships" xmlns:p="http://schemas.openxmlformats.org/presentationml/2006/main">
-  <p:tag name="KSO_WM_TEMPLATE_CATEGORY" val="custom"/>
-  <p:tag name="KSO_WM_TEMPLATE_INDEX" val="160404"/>
-</p:tagLst>
-</file>
-
-<file path=ppt/tags/tag12.xml><?xml version="1.0" encoding="utf-8"?>
-<p:tagLst xmlns:a="http://schemas.openxmlformats.org/drawingml/2006/main" xmlns:r="http://schemas.openxmlformats.org/officeDocument/2006/relationships" xmlns:p="http://schemas.openxmlformats.org/presentationml/2006/main">
-  <p:tag name="KSO_WM_BEAUTIFY_FLAG" val="#wm#"/>
-  <p:tag name="KSO_WM_TEMPLATE_CATEGORY" val="custom"/>
-  <p:tag name="KSO_WM_TEMPLATE_INDEX" val="160404"/>
-</p:tagLst>
-</file>
-
-<file path=ppt/tags/tag13.xml><?xml version="1.0" encoding="utf-8"?>
-<p:tagLst xmlns:a="http://schemas.openxmlformats.org/drawingml/2006/main" xmlns:r="http://schemas.openxmlformats.org/officeDocument/2006/relationships" xmlns:p="http://schemas.openxmlformats.org/presentationml/2006/main">
-  <p:tag name="KSO_WM_BEAUTIFY_FLAG" val="#wm#"/>
-  <p:tag name="KSO_WM_TEMPLATE_CATEGORY" val="custom"/>
-  <p:tag name="KSO_WM_TEMPLATE_INDEX" val="160404"/>
-</p:tagLst>
-</file>
-
-<file path=ppt/tags/tag14.xml><?xml version="1.0" encoding="utf-8"?>
-<p:tagLst xmlns:a="http://schemas.openxmlformats.org/drawingml/2006/main" xmlns:r="http://schemas.openxmlformats.org/officeDocument/2006/relationships" xmlns:p="http://schemas.openxmlformats.org/presentationml/2006/main">
-  <p:tag name="KSO_WM_BEAUTIFY_FLAG" val="#wm#"/>
-  <p:tag name="KSO_WM_TEMPLATE_CATEGORY" val="custom"/>
-  <p:tag name="KSO_WM_TEMPLATE_INDEX" val="160404"/>
-</p:tagLst>
-</file>
-
-<file path=ppt/tags/tag15.xml><?xml version="1.0" encoding="utf-8"?>
-<p:tagLst xmlns:a="http://schemas.openxmlformats.org/drawingml/2006/main" xmlns:r="http://schemas.openxmlformats.org/officeDocument/2006/relationships" xmlns:p="http://schemas.openxmlformats.org/presentationml/2006/main">
-  <p:tag name="KSO_WM_BEAUTIFY_FLAG" val="#wm#"/>
-  <p:tag name="KSO_WM_TEMPLATE_CATEGORY" val="custom"/>
-  <p:tag name="KSO_WM_TEMPLATE_INDEX" val="160404"/>
-</p:tagLst>
-</file>
-
-<file path=ppt/tags/tag16.xml><?xml version="1.0" encoding="utf-8"?>
-<p:tagLst xmlns:a="http://schemas.openxmlformats.org/drawingml/2006/main" xmlns:r="http://schemas.openxmlformats.org/officeDocument/2006/relationships" xmlns:p="http://schemas.openxmlformats.org/presentationml/2006/main">
-  <p:tag name="KSO_WM_TEMPLATE_CATEGORY" val="custom"/>
-  <p:tag name="KSO_WM_TEMPLATE_INDEX" val="160404"/>
-</p:tagLst>
-</file>
-
-<file path=ppt/tags/tag2.xml><?xml version="1.0" encoding="utf-8"?>
-<p:tagLst xmlns:a="http://schemas.openxmlformats.org/drawingml/2006/main" xmlns:r="http://schemas.openxmlformats.org/officeDocument/2006/relationships" xmlns:p="http://schemas.openxmlformats.org/presentationml/2006/main">
-  <p:tag name="KSO_WM_TAG_VERSION" val="1.0"/>
-  <p:tag name="KSO_WM_TEMPLATE_CATEGORY" val="custom"/>
-  <p:tag name="KSO_WM_TEMPLATE_INDEX" val="160404"/>
-</p:tagLst>
-</file>
-
-<file path=ppt/tags/tag3.xml><?xml version="1.0" encoding="utf-8"?>
-<p:tagLst xmlns:a="http://schemas.openxmlformats.org/drawingml/2006/main" xmlns:r="http://schemas.openxmlformats.org/officeDocument/2006/relationships" xmlns:p="http://schemas.openxmlformats.org/presentationml/2006/main">
+<p:tagLst xmlns:p="http://schemas.openxmlformats.org/presentationml/2006/main">
   <p:tag name="KSO_WM_TAG_VERSION" val="1.0"/>
   <p:tag name="KSO_WM_BEAUTIFY_FLAG" val="#wm#"/>
   <p:tag name="KSO_WM_UNIT_TYPE" val="i"/>
@@ -13889,8 +13160,61 @@
 </p:tagLst>
 </file>
 
-<file path=ppt/tags/tag4.xml><?xml version="1.0" encoding="utf-8"?>
-<p:tagLst xmlns:a="http://schemas.openxmlformats.org/drawingml/2006/main" xmlns:r="http://schemas.openxmlformats.org/officeDocument/2006/relationships" xmlns:p="http://schemas.openxmlformats.org/presentationml/2006/main">
+<file path=ppt/tags/tag10.xml><?xml version="1.0" encoding="utf-8"?>
+<p:tagLst xmlns:p="http://schemas.openxmlformats.org/presentationml/2006/main">
+  <p:tag name="KSO_WM_TEMPLATE_CATEGORY" val="custom"/>
+  <p:tag name="KSO_WM_TEMPLATE_INDEX" val="160404"/>
+</p:tagLst>
+</file>
+
+<file path=ppt/tags/tag11.xml><?xml version="1.0" encoding="utf-8"?>
+<p:tagLst xmlns:p="http://schemas.openxmlformats.org/presentationml/2006/main">
+  <p:tag name="KSO_WM_TEMPLATE_CATEGORY" val="custom"/>
+  <p:tag name="KSO_WM_TEMPLATE_INDEX" val="160404"/>
+</p:tagLst>
+</file>
+
+<file path=ppt/tags/tag12.xml><?xml version="1.0" encoding="utf-8"?>
+<p:tagLst xmlns:p="http://schemas.openxmlformats.org/presentationml/2006/main">
+  <p:tag name="KSO_WM_BEAUTIFY_FLAG" val="#wm#"/>
+  <p:tag name="KSO_WM_TEMPLATE_CATEGORY" val="custom"/>
+  <p:tag name="KSO_WM_TEMPLATE_INDEX" val="160404"/>
+</p:tagLst>
+</file>
+
+<file path=ppt/tags/tag13.xml><?xml version="1.0" encoding="utf-8"?>
+<p:tagLst xmlns:p="http://schemas.openxmlformats.org/presentationml/2006/main">
+  <p:tag name="KSO_WM_BEAUTIFY_FLAG" val="#wm#"/>
+  <p:tag name="KSO_WM_TEMPLATE_CATEGORY" val="custom"/>
+  <p:tag name="KSO_WM_TEMPLATE_INDEX" val="160404"/>
+</p:tagLst>
+</file>
+
+<file path=ppt/tags/tag14.xml><?xml version="1.0" encoding="utf-8"?>
+<p:tagLst xmlns:p="http://schemas.openxmlformats.org/presentationml/2006/main">
+  <p:tag name="KSO_WM_BEAUTIFY_FLAG" val="#wm#"/>
+  <p:tag name="KSO_WM_TEMPLATE_CATEGORY" val="custom"/>
+  <p:tag name="KSO_WM_TEMPLATE_INDEX" val="160404"/>
+</p:tagLst>
+</file>
+
+<file path=ppt/tags/tag15.xml><?xml version="1.0" encoding="utf-8"?>
+<p:tagLst xmlns:p="http://schemas.openxmlformats.org/presentationml/2006/main">
+  <p:tag name="KSO_WM_BEAUTIFY_FLAG" val="#wm#"/>
+  <p:tag name="KSO_WM_TEMPLATE_CATEGORY" val="custom"/>
+  <p:tag name="KSO_WM_TEMPLATE_INDEX" val="160404"/>
+</p:tagLst>
+</file>
+
+<file path=ppt/tags/tag16.xml><?xml version="1.0" encoding="utf-8"?>
+<p:tagLst xmlns:p="http://schemas.openxmlformats.org/presentationml/2006/main">
+  <p:tag name="KSO_WM_TEMPLATE_CATEGORY" val="custom"/>
+  <p:tag name="KSO_WM_TEMPLATE_INDEX" val="160404"/>
+</p:tagLst>
+</file>
+
+<file path=ppt/tags/tag2.xml><?xml version="1.0" encoding="utf-8"?>
+<p:tagLst xmlns:p="http://schemas.openxmlformats.org/presentationml/2006/main">
   <p:tag name="KSO_WM_TAG_VERSION" val="1.0"/>
   <p:tag name="KSO_WM_BEAUTIFY_FLAG" val="#wm#"/>
   <p:tag name="KSO_WM_UNIT_TYPE" val="i"/>
@@ -13900,8 +13224,8 @@
 </p:tagLst>
 </file>
 
-<file path=ppt/tags/tag5.xml><?xml version="1.0" encoding="utf-8"?>
-<p:tagLst xmlns:a="http://schemas.openxmlformats.org/drawingml/2006/main" xmlns:r="http://schemas.openxmlformats.org/officeDocument/2006/relationships" xmlns:p="http://schemas.openxmlformats.org/presentationml/2006/main">
+<file path=ppt/tags/tag3.xml><?xml version="1.0" encoding="utf-8"?>
+<p:tagLst xmlns:p="http://schemas.openxmlformats.org/presentationml/2006/main">
   <p:tag name="KSO_WM_TAG_VERSION" val="1.0"/>
   <p:tag name="KSO_WM_BEAUTIFY_FLAG" val="#wm#"/>
   <p:tag name="KSO_WM_UNIT_TYPE" val="i"/>
@@ -13911,29 +13235,45 @@
 </p:tagLst>
 </file>
 
+<file path=ppt/tags/tag4.xml><?xml version="1.0" encoding="utf-8"?>
+<p:tagLst xmlns:p="http://schemas.openxmlformats.org/presentationml/2006/main">
+  <p:tag name="KSO_WM_TAG_VERSION" val="1.0"/>
+  <p:tag name="KSO_WM_TEMPLATE_CATEGORY" val="custom"/>
+  <p:tag name="KSO_WM_TEMPLATE_INDEX" val="160404"/>
+</p:tagLst>
+</file>
+
+<file path=ppt/tags/tag5.xml><?xml version="1.0" encoding="utf-8"?>
+<p:tagLst xmlns:p="http://schemas.openxmlformats.org/presentationml/2006/main">
+  <p:tag name="KSO_WM_TAG_VERSION" val="1.0"/>
+  <p:tag name="KSO_WM_TEMPLATE_CATEGORY" val="custom"/>
+  <p:tag name="KSO_WM_TEMPLATE_INDEX" val="160404"/>
+</p:tagLst>
+</file>
+
 <file path=ppt/tags/tag6.xml><?xml version="1.0" encoding="utf-8"?>
-<p:tagLst xmlns:a="http://schemas.openxmlformats.org/drawingml/2006/main" xmlns:r="http://schemas.openxmlformats.org/officeDocument/2006/relationships" xmlns:p="http://schemas.openxmlformats.org/presentationml/2006/main">
+<p:tagLst xmlns:p="http://schemas.openxmlformats.org/presentationml/2006/main">
   <p:tag name="KSO_WM_TEMPLATE_CATEGORY" val="custom"/>
   <p:tag name="KSO_WM_TEMPLATE_INDEX" val="160404"/>
 </p:tagLst>
 </file>
 
 <file path=ppt/tags/tag7.xml><?xml version="1.0" encoding="utf-8"?>
-<p:tagLst xmlns:a="http://schemas.openxmlformats.org/drawingml/2006/main" xmlns:r="http://schemas.openxmlformats.org/officeDocument/2006/relationships" xmlns:p="http://schemas.openxmlformats.org/presentationml/2006/main">
+<p:tagLst xmlns:p="http://schemas.openxmlformats.org/presentationml/2006/main">
   <p:tag name="KSO_WM_TEMPLATE_CATEGORY" val="custom"/>
   <p:tag name="KSO_WM_TEMPLATE_INDEX" val="160404"/>
 </p:tagLst>
 </file>
 
 <file path=ppt/tags/tag8.xml><?xml version="1.0" encoding="utf-8"?>
-<p:tagLst xmlns:a="http://schemas.openxmlformats.org/drawingml/2006/main" xmlns:r="http://schemas.openxmlformats.org/officeDocument/2006/relationships" xmlns:p="http://schemas.openxmlformats.org/presentationml/2006/main">
+<p:tagLst xmlns:p="http://schemas.openxmlformats.org/presentationml/2006/main">
   <p:tag name="KSO_WM_TEMPLATE_CATEGORY" val="custom"/>
   <p:tag name="KSO_WM_TEMPLATE_INDEX" val="160404"/>
 </p:tagLst>
 </file>
 
 <file path=ppt/tags/tag9.xml><?xml version="1.0" encoding="utf-8"?>
-<p:tagLst xmlns:a="http://schemas.openxmlformats.org/drawingml/2006/main" xmlns:r="http://schemas.openxmlformats.org/officeDocument/2006/relationships" xmlns:p="http://schemas.openxmlformats.org/presentationml/2006/main">
+<p:tagLst xmlns:p="http://schemas.openxmlformats.org/presentationml/2006/main">
   <p:tag name="KSO_WM_BEAUTIFY_FLAG" val="#wm#"/>
   <p:tag name="KSO_WM_TEMPLATE_CATEGORY" val="custom"/>
   <p:tag name="KSO_WM_TEMPLATE_INDEX" val="160404"/>
@@ -14191,8 +13531,6 @@
       </a:bgFillStyleLst>
     </a:fmtScheme>
   </a:themeElements>
-  <a:objectDefaults/>
-  <a:extraClrSchemeLst/>
   <a:extLst>
     <a:ext uri="{05A4C25C-085E-4340-85A3-A5531E510DB2}">
       <thm15:themeFamily xmlns:thm15="http://schemas.microsoft.com/office/thememl/2012/main" name="Office Theme" id="{62F939B6-93AF-4DB8-9C6B-D6C7DFDC589F}" vid="{4A3C46E8-61CC-4603-A589-7422A47A8E4A}"/>
@@ -14481,8 +13819,6 @@
       </a:bgFillStyleLst>
     </a:fmtScheme>
   </a:themeElements>
-  <a:objectDefaults/>
-  <a:extraClrSchemeLst/>
   <a:extLst>
     <a:ext uri="{05A4C25C-085E-4340-85A3-A5531E510DB2}">
       <thm15:themeFamily xmlns:thm15="http://schemas.microsoft.com/office/thememl/2012/main" name="Office Theme" id="{62F939B6-93AF-4DB8-9C6B-D6C7DFDC589F}" vid="{4A3C46E8-61CC-4603-A589-7422A47A8E4A}"/>
